--- a/docs/Project_Poster.pptx
+++ b/docs/Project_Poster.pptx
@@ -4377,25 +4377,30 @@
               </a:tabLst>
             </a:pPr>
             <a:r>
-              <a:rPr lang="en-US" sz="4400" b="1">
+              <a:rPr lang="en-US" sz="4400" b="1" dirty="0">
                 <a:solidFill>
-                  <a:srgbClr val="FF8000"/>
+                  <a:srgbClr val="2E5378"/>
                 </a:solidFill>
               </a:rPr>
-              <a:t>Materials and methods</a:t>
-            </a:r>
-            <a:r>
-              <a:rPr lang="en-US" sz="2400">
+              <a:t>Materials and </a:t>
+            </a:r>
+            <a:r>
+              <a:rPr lang="en-US" sz="4400" b="1" dirty="0" smtClean="0">
                 <a:solidFill>
-                  <a:srgbClr val="FF8000"/>
+                  <a:srgbClr val="2E5378"/>
+                </a:solidFill>
+              </a:rPr>
+              <a:t>Methods</a:t>
+            </a:r>
+            <a:r>
+              <a:rPr lang="en-US" sz="2400" dirty="0">
+                <a:solidFill>
+                  <a:srgbClr val="2E5378"/>
                 </a:solidFill>
                 <a:latin typeface="Times New Roman" charset="0"/>
               </a:rPr>
               <a:t>	</a:t>
             </a:r>
-            <a:endParaRPr lang="en-US" sz="2400">
-              <a:latin typeface="Times New Roman" charset="0"/>
-            </a:endParaRPr>
           </a:p>
           <a:p>
             <a:pPr>
@@ -4406,55 +4411,7 @@
                 <a:tab pos="508000" algn="l"/>
               </a:tabLst>
             </a:pPr>
-            <a:r>
-              <a:rPr lang="en-US" sz="2400">
-                <a:latin typeface="Times New Roman" charset="0"/>
-              </a:rPr>
-              <a:t>Be brief, and opt for photographs or drawings whenever possible to illustrate organism, protocol, or experimental design.  Viewers don’t actually want to read about the gruesome details, however fascinating you might find them. </a:t>
-            </a:r>
-          </a:p>
-          <a:p>
-            <a:pPr>
-              <a:spcBef>
-                <a:spcPct val="10000"/>
-              </a:spcBef>
-              <a:tabLst>
-                <a:tab pos="508000" algn="l"/>
-              </a:tabLst>
-            </a:pPr>
-            <a:r>
-              <a:rPr lang="en-US" sz="2400">
-                <a:latin typeface="Times New Roman" charset="0"/>
-              </a:rPr>
-              <a:t>	 Blah, blah, blah. Blah, blah, blah. Blah, blah, blah. Blah, blah, blah. Blah, blah, blah. Blah, blah, blah. Blah, blah, blah. Blah, blah, blah. Blah, blah, blah. Blah, blah, blah.</a:t>
-            </a:r>
-          </a:p>
-          <a:p>
-            <a:pPr>
-              <a:spcBef>
-                <a:spcPct val="10000"/>
-              </a:spcBef>
-              <a:tabLst>
-                <a:tab pos="508000" algn="l"/>
-              </a:tabLst>
-            </a:pPr>
-            <a:r>
-              <a:rPr lang="en-US" sz="2400">
-                <a:latin typeface="Times New Roman" charset="0"/>
-              </a:rPr>
-              <a:t>	 Blah, blah, blah. Blah, blah, blah. Blah, blah, blah. Blah, blah, blah. Blah, blah, blah. Blah, blah, blah.</a:t>
-            </a:r>
-          </a:p>
-          <a:p>
-            <a:pPr>
-              <a:spcBef>
-                <a:spcPct val="10000"/>
-              </a:spcBef>
-              <a:tabLst>
-                <a:tab pos="508000" algn="l"/>
-              </a:tabLst>
-            </a:pPr>
-            <a:endParaRPr lang="en-US" sz="2400">
+            <a:endParaRPr lang="en-US" sz="2400" dirty="0">
               <a:latin typeface="Times New Roman" charset="0"/>
             </a:endParaRPr>
           </a:p>
@@ -5086,8 +5043,8 @@
         </p:nvSpPr>
         <p:spPr bwMode="auto">
           <a:xfrm>
-            <a:off x="7197725" y="15743238"/>
-            <a:ext cx="4800600" cy="1724025"/>
+            <a:off x="6754019" y="14684375"/>
+            <a:ext cx="4800600" cy="1723549"/>
           </a:xfrm>
           <a:prstGeom prst="rect">
             <a:avLst/>
@@ -5107,21 +5064,38 @@
           <a:lstStyle/>
           <a:p>
             <a:r>
-              <a:rPr lang="en-US" sz="2000" b="1"/>
+              <a:rPr lang="en-US" sz="2000" b="1" dirty="0"/>
               <a:t>Figure 1.</a:t>
             </a:r>
             <a:r>
-              <a:rPr lang="en-US" sz="2000"/>
-              <a:t> Photograph or drawing of organism, chemical structure, or whatever.  Don’t use graphics from the web (they </a:t>
-            </a:r>
-            <a:r>
-              <a:rPr lang="en-US" sz="2000" i="1"/>
-              <a:t>usually </a:t>
-            </a:r>
-            <a:r>
-              <a:rPr lang="en-US" sz="2000"/>
-              <a:t>look terrible when printed).</a:t>
-            </a:r>
+              <a:rPr lang="en-US" sz="2000" dirty="0"/>
+              <a:t> </a:t>
+            </a:r>
+            <a:r>
+              <a:rPr lang="en-US" sz="2000" dirty="0"/>
+              <a:t>One of the most powerful </a:t>
+            </a:r>
+            <a:r>
+              <a:rPr lang="en-US" sz="2000" dirty="0" smtClean="0"/>
+              <a:t>Pokémon, </a:t>
+            </a:r>
+            <a:r>
+              <a:rPr lang="en-US" sz="2000" dirty="0" err="1" smtClean="0"/>
+              <a:t>Arceus</a:t>
+            </a:r>
+            <a:r>
+              <a:rPr lang="en-US" sz="2000" dirty="0" smtClean="0"/>
+              <a:t>. The teams we use to test our population are </a:t>
+            </a:r>
+            <a:r>
+              <a:rPr lang="en-US" sz="2000" dirty="0"/>
+              <a:t>composed entirely of this </a:t>
+            </a:r>
+            <a:r>
+              <a:rPr lang="en-US" sz="2000" dirty="0" smtClean="0"/>
+              <a:t>Pokémon in its different type variations.</a:t>
+            </a:r>
+            <a:endParaRPr lang="en-US" sz="2000" dirty="0"/>
           </a:p>
         </p:txBody>
       </p:sp>
@@ -6924,8 +6898,8 @@
         </p:nvSpPr>
         <p:spPr bwMode="auto">
           <a:xfrm>
-            <a:off x="2963863" y="15544800"/>
-            <a:ext cx="3487737" cy="1930400"/>
+            <a:off x="3636335" y="14684376"/>
+            <a:ext cx="2889084" cy="3007040"/>
           </a:xfrm>
           <a:prstGeom prst="rect">
             <a:avLst/>
@@ -7722,6 +7696,36 @@
           </a:p>
         </p:txBody>
       </p:sp>
+      <p:pic>
+        <p:nvPicPr>
+          <p:cNvPr id="2" name="Picture 1"/>
+          <p:cNvPicPr>
+            <a:picLocks noChangeAspect="1"/>
+          </p:cNvPicPr>
+          <p:nvPr/>
+        </p:nvPicPr>
+        <p:blipFill>
+          <a:blip r:embed="rId11">
+            <a:extLst>
+              <a:ext uri="{28A0092B-C50C-407E-A947-70E740481C1C}">
+                <a14:useLocalDpi xmlns:a14="http://schemas.microsoft.com/office/drawing/2010/main" val="0"/>
+              </a:ext>
+            </a:extLst>
+          </a:blip>
+          <a:stretch>
+            <a:fillRect/>
+          </a:stretch>
+        </p:blipFill>
+        <p:spPr>
+          <a:xfrm>
+            <a:off x="3948596" y="14972499"/>
+            <a:ext cx="2239479" cy="2502701"/>
+          </a:xfrm>
+          <a:prstGeom prst="rect">
+            <a:avLst/>
+          </a:prstGeom>
+        </p:spPr>
+      </p:pic>
     </p:spTree>
   </p:cSld>
   <p:clrMapOvr>

--- a/docs/Project_Poster.pptx
+++ b/docs/Project_Poster.pptx
@@ -4156,15 +4156,7 @@
                 <a:ea typeface="Times" charset="0"/>
                 <a:cs typeface="Times" charset="0"/>
               </a:rPr>
-              <a:t>	</a:t>
-            </a:r>
-            <a:r>
-              <a:rPr lang="en-US" sz="2800" dirty="0">
-                <a:latin typeface="Times" charset="0"/>
-                <a:ea typeface="Times" charset="0"/>
-                <a:cs typeface="Times" charset="0"/>
-              </a:rPr>
-              <a:t> </a:t>
+              <a:t>	 </a:t>
             </a:r>
             <a:r>
               <a:rPr lang="en-US" sz="2800" dirty="0" err="1" smtClean="0">
@@ -4278,15 +4270,7 @@
                 <a:ea typeface="Times" charset="0"/>
                 <a:cs typeface="Times" charset="0"/>
               </a:rPr>
-              <a:t>	</a:t>
-            </a:r>
-            <a:r>
-              <a:rPr lang="en-US" sz="2800" dirty="0">
-                <a:latin typeface="Times" charset="0"/>
-                <a:ea typeface="Times" charset="0"/>
-                <a:cs typeface="Times" charset="0"/>
-              </a:rPr>
-              <a:t>Our system aims to create a team of </a:t>
+              <a:t>	Our system aims to create a team of </a:t>
             </a:r>
             <a:r>
               <a:rPr lang="en-US" sz="2800" dirty="0" smtClean="0">
@@ -4377,30 +4361,19 @@
               </a:tabLst>
             </a:pPr>
             <a:r>
-              <a:rPr lang="en-US" sz="4400" b="1" dirty="0">
-                <a:solidFill>
-                  <a:srgbClr val="2E5378"/>
-                </a:solidFill>
-              </a:rPr>
-              <a:t>Materials and </a:t>
-            </a:r>
-            <a:r>
               <a:rPr lang="en-US" sz="4400" b="1" dirty="0" smtClean="0">
                 <a:solidFill>
                   <a:srgbClr val="2E5378"/>
                 </a:solidFill>
               </a:rPr>
-              <a:t>Methods</a:t>
-            </a:r>
-            <a:r>
-              <a:rPr lang="en-US" sz="2400" dirty="0">
-                <a:solidFill>
-                  <a:srgbClr val="2E5378"/>
-                </a:solidFill>
-                <a:latin typeface="Times New Roman" charset="0"/>
-              </a:rPr>
-              <a:t>	</a:t>
-            </a:r>
+              <a:t>Experimental Design</a:t>
+            </a:r>
+            <a:endParaRPr lang="en-US" sz="2400" dirty="0">
+              <a:solidFill>
+                <a:srgbClr val="2E5378"/>
+              </a:solidFill>
+              <a:latin typeface="Times New Roman" charset="0"/>
+            </a:endParaRPr>
           </a:p>
           <a:p>
             <a:pPr>
@@ -4411,7 +4384,38 @@
                 <a:tab pos="508000" algn="l"/>
               </a:tabLst>
             </a:pPr>
-            <a:endParaRPr lang="en-US" sz="2400" dirty="0">
+            <a:r>
+              <a:rPr lang="en-US" sz="2800" dirty="0" smtClean="0">
+                <a:latin typeface="Times New Roman" charset="0"/>
+              </a:rPr>
+              <a:t>Since this is an optimization problem, we decided to use a genetic algorithm to derive our solution.</a:t>
+            </a:r>
+            <a:endParaRPr lang="en-US" sz="2800" dirty="0">
+              <a:latin typeface="Times New Roman" charset="0"/>
+            </a:endParaRPr>
+          </a:p>
+          <a:p>
+            <a:pPr>
+              <a:spcBef>
+                <a:spcPct val="10000"/>
+              </a:spcBef>
+              <a:tabLst>
+                <a:tab pos="508000" algn="l"/>
+              </a:tabLst>
+            </a:pPr>
+            <a:r>
+              <a:rPr lang="en-US" sz="2800" dirty="0" smtClean="0">
+                <a:latin typeface="Times New Roman" charset="0"/>
+              </a:rPr>
+              <a:t>	Here are the parameters we used for our algorithm</a:t>
+            </a:r>
+            <a:r>
+              <a:rPr lang="en-US" sz="2800" dirty="0" smtClean="0">
+                <a:latin typeface="Times New Roman" charset="0"/>
+              </a:rPr>
+              <a:t>:</a:t>
+            </a:r>
+            <a:endParaRPr lang="en-US" sz="2800" dirty="0" smtClean="0">
               <a:latin typeface="Times New Roman" charset="0"/>
             </a:endParaRPr>
           </a:p>
@@ -4489,8 +4493,8 @@
         </p:nvSpPr>
         <p:spPr bwMode="auto">
           <a:xfrm>
-            <a:off x="14262100" y="7256463"/>
-            <a:ext cx="10512425" cy="24239537"/>
+            <a:off x="14262100" y="19304000"/>
+            <a:ext cx="10512425" cy="12191999"/>
           </a:xfrm>
           <a:prstGeom prst="rect">
             <a:avLst/>
@@ -4517,14 +4521,18 @@
               </a:tabLst>
             </a:pPr>
             <a:r>
-              <a:rPr lang="en-US" sz="4400" b="1">
+              <a:rPr lang="en-US" sz="4400" b="1" dirty="0">
                 <a:solidFill>
-                  <a:srgbClr val="FF8000"/>
+                  <a:srgbClr val="2E5378"/>
                 </a:solidFill>
               </a:rPr>
               <a:t>Results</a:t>
             </a:r>
-            <a:endParaRPr lang="en-US" sz="2400" b="1"/>
+            <a:endParaRPr lang="en-US" sz="2400" b="1" dirty="0">
+              <a:solidFill>
+                <a:srgbClr val="2E5378"/>
+              </a:solidFill>
+            </a:endParaRPr>
           </a:p>
           <a:p>
             <a:pPr>
@@ -4536,22 +4544,22 @@
               </a:tabLst>
             </a:pPr>
             <a:r>
-              <a:rPr lang="en-US" sz="2400">
+              <a:rPr lang="en-US" sz="2800" dirty="0" smtClean="0">
                 <a:latin typeface="Times New Roman" charset="0"/>
               </a:rPr>
-              <a:t>The overall layout for this section should be modified from this template to best show off your graphs and other result-related illustrations. You might want a single, large column to accommodate a big map, or perhaps you could arrange 6 figures in a circle in the center of the poster: do whatever it takes to make your results </a:t>
-            </a:r>
-            <a:r>
-              <a:rPr lang="en-US" sz="2400" i="1">
+              <a:t>The results we got were very unexpected. Our experiments repeatedly converged on teams containing an excess of </a:t>
+            </a:r>
+            <a:r>
+              <a:rPr lang="en-US" sz="2800" dirty="0" err="1" smtClean="0">
                 <a:latin typeface="Times New Roman" charset="0"/>
               </a:rPr>
-              <a:t>graphically </a:t>
-            </a:r>
-            <a:r>
-              <a:rPr lang="en-US" sz="2400">
+              <a:t>Snorlax</a:t>
+            </a:r>
+            <a:r>
+              <a:rPr lang="en-US" sz="2800" dirty="0" smtClean="0">
                 <a:latin typeface="Times New Roman" charset="0"/>
               </a:rPr>
-              <a:t>clear. And, for the love of God (or whoever), make your graphs big enough to read from 6’ away.</a:t>
+              <a:t>.</a:t>
             </a:r>
           </a:p>
           <a:p>
@@ -4564,162 +4572,80 @@
               </a:tabLst>
             </a:pPr>
             <a:r>
-              <a:rPr lang="en-US" sz="2400">
+              <a:rPr lang="en-US" sz="2800" dirty="0">
                 <a:latin typeface="Times New Roman" charset="0"/>
               </a:rPr>
-              <a:t>	Paragraph format is fine, but sometimes a simple list of “bullet” points can communicate results more effectively:</a:t>
-            </a:r>
-            <a:br>
-              <a:rPr lang="en-US" sz="2400">
+              <a:t>	</a:t>
+            </a:r>
+            <a:r>
+              <a:rPr lang="en-US" sz="2800" dirty="0" smtClean="0">
                 <a:latin typeface="Times New Roman" charset="0"/>
               </a:rPr>
-            </a:br>
-            <a:endParaRPr lang="en-US" sz="2400">
+              <a:t>This was very unusual, because comparatively, </a:t>
+            </a:r>
+            <a:r>
+              <a:rPr lang="en-US" sz="2800" dirty="0" err="1" smtClean="0">
+                <a:latin typeface="Times New Roman" charset="0"/>
+              </a:rPr>
+              <a:t>Arceus</a:t>
+            </a:r>
+            <a:r>
+              <a:rPr lang="en-US" sz="2800" dirty="0" smtClean="0">
+                <a:latin typeface="Times New Roman" charset="0"/>
+              </a:rPr>
+              <a:t> has </a:t>
+            </a:r>
+            <a:r>
+              <a:rPr lang="en-US" sz="2800" i="1" dirty="0" smtClean="0">
+                <a:latin typeface="Times New Roman" charset="0"/>
+              </a:rPr>
+              <a:t>much higher </a:t>
+            </a:r>
+            <a:r>
+              <a:rPr lang="en-US" sz="2800" dirty="0" smtClean="0">
+                <a:latin typeface="Times New Roman" charset="0"/>
+              </a:rPr>
+              <a:t>base stats than </a:t>
+            </a:r>
+            <a:r>
+              <a:rPr lang="en-US" sz="2800" dirty="0" err="1" smtClean="0">
+                <a:latin typeface="Times New Roman" charset="0"/>
+              </a:rPr>
+              <a:t>Snorlax</a:t>
+            </a:r>
+            <a:r>
+              <a:rPr lang="en-US" sz="2800" dirty="0" smtClean="0">
+                <a:latin typeface="Times New Roman" charset="0"/>
+              </a:rPr>
+              <a:t> (</a:t>
+            </a:r>
+            <a:r>
+              <a:rPr lang="en-US" sz="2800" b="1" dirty="0" smtClean="0">
+                <a:latin typeface="Times New Roman" charset="0"/>
+              </a:rPr>
+              <a:t>720</a:t>
+            </a:r>
+            <a:r>
+              <a:rPr lang="en-US" sz="2800" dirty="0" smtClean="0">
+                <a:latin typeface="Times New Roman" charset="0"/>
+              </a:rPr>
+              <a:t> vs. </a:t>
+            </a:r>
+            <a:r>
+              <a:rPr lang="en-US" sz="2800" b="1" dirty="0" smtClean="0">
+                <a:latin typeface="Times New Roman" charset="0"/>
+              </a:rPr>
+              <a:t>540 </a:t>
+            </a:r>
+            <a:r>
+              <a:rPr lang="en-US" sz="2800" dirty="0" smtClean="0">
+                <a:latin typeface="Times New Roman" charset="0"/>
+              </a:rPr>
+              <a:t>total).</a:t>
+            </a:r>
+            <a:endParaRPr lang="en-US" sz="2800" dirty="0">
               <a:latin typeface="Times New Roman" charset="0"/>
             </a:endParaRPr>
-          </a:p>
-          <a:p>
-            <a:pPr marL="1385888" lvl="1" indent="-346075">
-              <a:spcBef>
-                <a:spcPct val="10000"/>
-              </a:spcBef>
-              <a:buFont typeface="Times New Roman" charset="0"/>
-              <a:buChar char="•"/>
-              <a:tabLst>
-                <a:tab pos="500063" algn="l"/>
-              </a:tabLst>
-            </a:pPr>
-            <a:r>
-              <a:rPr lang="en-US" sz="2400">
-                <a:latin typeface="Times New Roman" charset="0"/>
-              </a:rPr>
-              <a:t>data were so non-normal, they were </a:t>
-            </a:r>
-            <a:r>
-              <a:rPr lang="en-US" sz="2400" i="1">
-                <a:latin typeface="Times New Roman" charset="0"/>
-              </a:rPr>
-              <a:t>bizarre </a:t>
-            </a:r>
-          </a:p>
-          <a:p>
-            <a:pPr marL="1385888" lvl="1" indent="-346075">
-              <a:spcBef>
-                <a:spcPct val="10000"/>
-              </a:spcBef>
-              <a:buFont typeface="Times New Roman" charset="0"/>
-              <a:buChar char="•"/>
-              <a:tabLst>
-                <a:tab pos="500063" algn="l"/>
-              </a:tabLst>
-            </a:pPr>
-            <a:r>
-              <a:rPr lang="en-US" sz="2400">
-                <a:latin typeface="Times New Roman" charset="0"/>
-              </a:rPr>
-              <a:t>9 out of 12 brainectomized rats survived</a:t>
-            </a:r>
-          </a:p>
-          <a:p>
-            <a:pPr marL="1385888" lvl="1" indent="-346075">
-              <a:spcBef>
-                <a:spcPct val="10000"/>
-              </a:spcBef>
-              <a:buFont typeface="Times New Roman" charset="0"/>
-              <a:buChar char="•"/>
-              <a:tabLst>
-                <a:tab pos="500063" algn="l"/>
-              </a:tabLst>
-            </a:pPr>
-            <a:r>
-              <a:rPr lang="en-US" sz="2400">
-                <a:latin typeface="Times New Roman" charset="0"/>
-              </a:rPr>
-              <a:t>1 brainectomized rat escaped, killing 12 undergraduates</a:t>
-            </a:r>
-          </a:p>
-          <a:p>
-            <a:pPr marL="1385888" lvl="1" indent="-346075">
-              <a:spcBef>
-                <a:spcPct val="10000"/>
-              </a:spcBef>
-              <a:buFont typeface="Times New Roman" charset="0"/>
-              <a:buChar char="•"/>
-              <a:tabLst>
-                <a:tab pos="500063" algn="l"/>
-              </a:tabLst>
-            </a:pPr>
-            <a:r>
-              <a:rPr lang="en-US" sz="2400">
-                <a:latin typeface="Times New Roman" charset="0"/>
-              </a:rPr>
-              <a:t>Control rats completed maze faster, on average, than rats without brains </a:t>
-            </a:r>
-            <a:r>
-              <a:rPr lang="en-US" sz="2400" b="1">
-                <a:latin typeface="Times New Roman" charset="0"/>
-              </a:rPr>
-              <a:t>(Fig. 3b)</a:t>
-            </a:r>
-            <a:r>
-              <a:rPr lang="en-US" sz="2400">
-                <a:latin typeface="Times New Roman" charset="0"/>
-              </a:rPr>
-              <a:t> (</a:t>
-            </a:r>
-            <a:r>
-              <a:rPr lang="en-US" sz="2400" i="1">
-                <a:latin typeface="Times New Roman" charset="0"/>
-              </a:rPr>
-              <a:t>t </a:t>
-            </a:r>
-            <a:r>
-              <a:rPr lang="en-US" sz="2400">
-                <a:latin typeface="Times New Roman" charset="0"/>
-              </a:rPr>
-              <a:t>= 9.84, df = 21, </a:t>
-            </a:r>
-            <a:r>
-              <a:rPr lang="en-US" sz="2400" i="1">
-                <a:latin typeface="Times New Roman" charset="0"/>
-              </a:rPr>
-              <a:t>p</a:t>
-            </a:r>
-            <a:r>
-              <a:rPr lang="en-US" sz="2400">
-                <a:latin typeface="Times New Roman" charset="0"/>
-              </a:rPr>
-              <a:t> = 0.032)</a:t>
-            </a:r>
-          </a:p>
-          <a:p>
-            <a:pPr marL="1385888" lvl="1" indent="-346075">
-              <a:spcBef>
-                <a:spcPct val="10000"/>
-              </a:spcBef>
-              <a:buFont typeface="Times New Roman" charset="0"/>
-              <a:buChar char="•"/>
-              <a:tabLst>
-                <a:tab pos="500063" algn="l"/>
-              </a:tabLst>
-            </a:pPr>
-            <a:endParaRPr lang="en-US" sz="2400"/>
-          </a:p>
-          <a:p>
-            <a:pPr>
-              <a:spcBef>
-                <a:spcPct val="10000"/>
-              </a:spcBef>
-              <a:tabLst>
-                <a:tab pos="500063" algn="l"/>
-              </a:tabLst>
-            </a:pPr>
-            <a:r>
-              <a:rPr lang="en-US" sz="2400">
-                <a:latin typeface="Times New Roman" charset="0"/>
-              </a:rPr>
-              <a:t>	</a:t>
-            </a:r>
           </a:p>
         </p:txBody>
       </p:sp>
@@ -4911,16 +4837,33 @@
               </a:spcBef>
             </a:pPr>
             <a:r>
-              <a:rPr lang="en-US" sz="6000" b="1"/>
-              <a:t>Your name(s) here</a:t>
+              <a:rPr lang="en-US" sz="6000" b="1" dirty="0" smtClean="0"/>
+              <a:t>Caleb </a:t>
+            </a:r>
+            <a:r>
+              <a:rPr lang="en-US" sz="6000" b="1" dirty="0" err="1" smtClean="0"/>
+              <a:t>Dinsmore</a:t>
+            </a:r>
+            <a:r>
+              <a:rPr lang="en-US" sz="6000" b="1" dirty="0" smtClean="0"/>
+              <a:t> and Adam </a:t>
+            </a:r>
+            <a:r>
+              <a:rPr lang="en-US" sz="6000" b="1" dirty="0" err="1" smtClean="0"/>
+              <a:t>Pogwizd</a:t>
+            </a:r>
+            <a:r>
+              <a:rPr lang="en-US" sz="6000" b="1" dirty="0"/>
+              <a:t/>
             </a:r>
             <a:br>
-              <a:rPr lang="en-US" sz="6000" b="1"/>
+              <a:rPr lang="en-US" sz="6000" b="1" dirty="0"/>
             </a:br>
             <a:r>
-              <a:rPr lang="en-US" sz="6000"/>
-              <a:t>Department of Biology, Swarthmore College, Swarthmore, Pennsylvania  19081</a:t>
-            </a:r>
+              <a:rPr lang="en-US" sz="6000" dirty="0" smtClean="0"/>
+              <a:t>Department of Computer Science and Engineering, Taylor University, Upland, IN 46989</a:t>
+            </a:r>
+            <a:endParaRPr lang="en-US" sz="6000" dirty="0"/>
           </a:p>
         </p:txBody>
       </p:sp>
@@ -5027,9 +4970,6 @@
               </a:rPr>
               <a:t> Web. 16 May 2016. </a:t>
             </a:r>
-            <a:endParaRPr lang="en-US" sz="2000" dirty="0">
-              <a:latin typeface="Times New Roman" charset="0"/>
-            </a:endParaRPr>
           </a:p>
         </p:txBody>
       </p:sp>
@@ -5069,11 +5009,7 @@
             </a:r>
             <a:r>
               <a:rPr lang="en-US" sz="2000" dirty="0"/>
-              <a:t> </a:t>
-            </a:r>
-            <a:r>
-              <a:rPr lang="en-US" sz="2000" dirty="0"/>
-              <a:t>One of the most powerful </a:t>
+              <a:t> One of the most powerful </a:t>
             </a:r>
             <a:r>
               <a:rPr lang="en-US" sz="2000" dirty="0" smtClean="0"/>
@@ -5110,7 +5046,7 @@
         <p:spPr bwMode="auto">
           <a:xfrm>
             <a:off x="3044825" y="29562425"/>
-            <a:ext cx="7740650" cy="1403350"/>
+            <a:ext cx="7740650" cy="1107996"/>
           </a:xfrm>
           <a:prstGeom prst="rect">
             <a:avLst/>
@@ -5130,350 +5066,18 @@
           <a:lstStyle/>
           <a:p>
             <a:r>
-              <a:rPr lang="en-US" sz="2000" b="1"/>
+              <a:rPr lang="en-US" sz="2000" b="1" dirty="0"/>
               <a:t>Figure 2</a:t>
             </a:r>
             <a:r>
-              <a:rPr lang="en-US" sz="2000"/>
-              <a:t>. Illustration of important piece of equipment, or perhaps a flow chart summarizing experimental design.  Scanned, hand-drawn illustrations are usually preferable to computer-generated ones. Just bribe (cookies, whatever) an artist to help you out.</a:t>
-            </a:r>
-          </a:p>
-        </p:txBody>
-      </p:sp>
-      <p:sp>
-        <p:nvSpPr>
-          <p:cNvPr id="14348" name="Rectangle 31"/>
-          <p:cNvSpPr>
-            <a:spLocks noChangeArrowheads="1"/>
-          </p:cNvSpPr>
-          <p:nvPr/>
-        </p:nvSpPr>
-        <p:spPr bwMode="auto">
-          <a:xfrm>
-            <a:off x="15116175" y="18867438"/>
-            <a:ext cx="8780463" cy="2622550"/>
-          </a:xfrm>
-          <a:prstGeom prst="rect">
-            <a:avLst/>
-          </a:prstGeom>
-          <a:noFill/>
-          <a:ln w="9525">
-            <a:noFill/>
-            <a:miter lim="800000"/>
-            <a:headEnd/>
-            <a:tailEnd/>
-          </a:ln>
-        </p:spPr>
-        <p:txBody>
-          <a:bodyPr tIns="91440" bIns="91440">
-            <a:spAutoFit/>
-          </a:bodyPr>
-          <a:lstStyle/>
-          <a:p>
-            <a:pPr eaLnBrk="0" hangingPunct="0"/>
-            <a:r>
-              <a:rPr lang="en-US" sz="2000" b="1"/>
-              <a:t>Figure 3. </a:t>
-            </a:r>
-            <a:r>
-              <a:rPr lang="en-US" sz="2000"/>
-              <a:t>Make sure legends have enough detail to explain to the viewer what the results are, but don’t go on and on.  Note that for posters it is good to put </a:t>
-            </a:r>
-            <a:r>
-              <a:rPr lang="en-US" sz="2000" i="1"/>
-              <a:t>some</a:t>
-            </a:r>
-            <a:r>
-              <a:rPr lang="en-US" sz="2000"/>
-              <a:t> “Materials and methods” information within the figure legends or onto the figures themselves—it allows the M&amp;m section to be shorter, and gives viewer a sense of the experiment(s) even if they have skipped directly to figures. Don’t be tempted to reduce font size in figure legends, axes labels, etc.—your viewers are probably </a:t>
-            </a:r>
-            <a:r>
-              <a:rPr lang="en-US" sz="2000" i="1"/>
-              <a:t>most</a:t>
-            </a:r>
-            <a:r>
-              <a:rPr lang="en-US" sz="2000"/>
-              <a:t> interested in reading your figures and legends!  </a:t>
-            </a:r>
-          </a:p>
-        </p:txBody>
-      </p:sp>
-      <p:sp>
-        <p:nvSpPr>
-          <p:cNvPr id="14349" name="Text Box 55"/>
-          <p:cNvSpPr txBox="1">
-            <a:spLocks noChangeArrowheads="1"/>
-          </p:cNvSpPr>
-          <p:nvPr/>
-        </p:nvSpPr>
-        <p:spPr bwMode="auto">
-          <a:xfrm>
-            <a:off x="14033500" y="21667788"/>
-            <a:ext cx="10969625" cy="9207500"/>
-          </a:xfrm>
-          <a:prstGeom prst="rect">
-            <a:avLst/>
-          </a:prstGeom>
-          <a:noFill/>
-          <a:ln w="12700">
-            <a:noFill/>
-            <a:miter lim="800000"/>
-            <a:headEnd/>
-            <a:tailEnd/>
-          </a:ln>
-        </p:spPr>
-        <p:txBody>
-          <a:bodyPr lIns="914400" tIns="914400" rIns="914400" bIns="914400"/>
-          <a:lstStyle/>
-          <a:p>
-            <a:pPr>
-              <a:spcBef>
-                <a:spcPct val="10000"/>
-              </a:spcBef>
-              <a:tabLst>
-                <a:tab pos="500063" algn="l"/>
-              </a:tabLst>
-            </a:pPr>
-            <a:r>
-              <a:rPr lang="en-US" sz="2400">
-                <a:latin typeface="Times New Roman" charset="0"/>
-              </a:rPr>
-              <a:t>	Often you will have some more text-based results between your figures. This text should </a:t>
-            </a:r>
-            <a:r>
-              <a:rPr lang="en-US" sz="2400" i="1">
-                <a:latin typeface="Times New Roman" charset="0"/>
-              </a:rPr>
-              <a:t>explicitly</a:t>
-            </a:r>
-            <a:r>
-              <a:rPr lang="en-US" sz="2400">
-                <a:latin typeface="Times New Roman" charset="0"/>
-              </a:rPr>
-              <a:t> guide the reader through the figures.</a:t>
-            </a:r>
-          </a:p>
-          <a:p>
-            <a:pPr>
-              <a:spcBef>
-                <a:spcPct val="10000"/>
-              </a:spcBef>
-              <a:tabLst>
-                <a:tab pos="500063" algn="l"/>
-              </a:tabLst>
-            </a:pPr>
-            <a:r>
-              <a:rPr lang="en-US" sz="2400">
-                <a:latin typeface="Times New Roman" charset="0"/>
-              </a:rPr>
-              <a:t>	Blah, blah, blah (</a:t>
-            </a:r>
-            <a:r>
-              <a:rPr lang="en-US" sz="2400" b="1">
-                <a:latin typeface="Times New Roman" charset="0"/>
-              </a:rPr>
-              <a:t>Figs. 3a,b</a:t>
-            </a:r>
-            <a:r>
-              <a:rPr lang="en-US" sz="2400">
-                <a:latin typeface="Times New Roman" charset="0"/>
-              </a:rPr>
-              <a:t>). Blah, blah, blah. Blah, blah, blah. Blah, blah, blah. Blah, blah, blah. Blah, blah, blah. Blah, blah, blah. Blah, blah, blah. </a:t>
-            </a:r>
-          </a:p>
-          <a:p>
-            <a:pPr>
-              <a:spcBef>
-                <a:spcPct val="10000"/>
-              </a:spcBef>
-              <a:tabLst>
-                <a:tab pos="500063" algn="l"/>
-              </a:tabLst>
-            </a:pPr>
-            <a:r>
-              <a:rPr lang="en-US" sz="2400">
-                <a:latin typeface="Times New Roman" charset="0"/>
-              </a:rPr>
-              <a:t>	Blah, blah, blah. Blah, blah, blah. Blah, blah, blah. Blah, blah, blah. Blah, blah, blah. Blah, blah, blah. Blah, blah, blah. Blah, blah, blah (</a:t>
-            </a:r>
-            <a:r>
-              <a:rPr lang="en-US" sz="2400" b="1">
-                <a:latin typeface="Times New Roman" charset="0"/>
-              </a:rPr>
-              <a:t>Fig. 3c</a:t>
-            </a:r>
-            <a:r>
-              <a:rPr lang="en-US" sz="2400">
-                <a:latin typeface="Times New Roman" charset="0"/>
-              </a:rPr>
-              <a:t>). Blah, blah, blah. Blah, blah, blah. Blah, blah, blah. Blah, blah, blah. Blah, blah, blah. Blah, blah, blah (data not shown).</a:t>
-            </a:r>
-          </a:p>
-          <a:p>
-            <a:pPr>
-              <a:spcBef>
-                <a:spcPct val="10000"/>
-              </a:spcBef>
-              <a:tabLst>
-                <a:tab pos="500063" algn="l"/>
-              </a:tabLst>
-            </a:pPr>
-            <a:r>
-              <a:rPr lang="en-US" sz="2400">
-                <a:latin typeface="Times New Roman" charset="0"/>
-              </a:rPr>
-              <a:t>	Blah, blah, blah. Blah, blah, blah. Blah, blah, blah. Blah, blah, blah. Blah, blah, blah. Blah, blah, blah. Blah, blah, blah. Blah, blah, blah. Blah, blah, blah.  Blah, blah, blah (God, personal communication). </a:t>
-            </a:r>
-          </a:p>
-        </p:txBody>
-      </p:sp>
-      <p:sp>
-        <p:nvSpPr>
-          <p:cNvPr id="2104" name="Text Box 56"/>
-          <p:cNvSpPr txBox="1">
-            <a:spLocks noChangeArrowheads="1"/>
-          </p:cNvSpPr>
-          <p:nvPr/>
-        </p:nvSpPr>
-        <p:spPr bwMode="auto">
-          <a:xfrm>
-            <a:off x="15252700" y="15114588"/>
-            <a:ext cx="2432050" cy="3554412"/>
-          </a:xfrm>
-          <a:prstGeom prst="rect">
-            <a:avLst/>
-          </a:prstGeom>
-          <a:noFill/>
-          <a:ln w="9525">
-            <a:solidFill>
-              <a:schemeClr val="accent2"/>
-            </a:solidFill>
-            <a:miter lim="800000"/>
-            <a:headEnd/>
-            <a:tailEnd/>
-          </a:ln>
-          <a:effectLst/>
-        </p:spPr>
-        <p:txBody>
-          <a:bodyPr tIns="91440" bIns="91440"/>
-          <a:lstStyle/>
-          <a:p>
-            <a:pPr>
-              <a:spcBef>
-                <a:spcPct val="50000"/>
-              </a:spcBef>
-            </a:pPr>
-            <a:r>
-              <a:rPr lang="en-US" sz="2600">
-                <a:effectLst>
-                  <a:outerShdw blurRad="38100" dist="38100" dir="2700000" algn="tl">
-                    <a:srgbClr val="C0C0C0"/>
-                  </a:outerShdw>
-                </a:effectLst>
-              </a:rPr>
-              <a:t>(a)</a:t>
-            </a:r>
-            <a:endParaRPr lang="en-US" sz="2600"/>
-          </a:p>
-        </p:txBody>
-      </p:sp>
-      <p:sp>
-        <p:nvSpPr>
-          <p:cNvPr id="2105" name="Text Box 57"/>
-          <p:cNvSpPr txBox="1">
-            <a:spLocks noChangeArrowheads="1"/>
-          </p:cNvSpPr>
-          <p:nvPr/>
-        </p:nvSpPr>
-        <p:spPr bwMode="auto">
-          <a:xfrm>
-            <a:off x="18618200" y="15109825"/>
-            <a:ext cx="2495550" cy="3554413"/>
-          </a:xfrm>
-          <a:prstGeom prst="rect">
-            <a:avLst/>
-          </a:prstGeom>
-          <a:noFill/>
-          <a:ln w="9525">
-            <a:solidFill>
-              <a:schemeClr val="accent2"/>
-            </a:solidFill>
-            <a:miter lim="800000"/>
-            <a:headEnd/>
-            <a:tailEnd/>
-          </a:ln>
-          <a:effectLst/>
-        </p:spPr>
-        <p:txBody>
-          <a:bodyPr tIns="91440" bIns="91440"/>
-          <a:lstStyle/>
-          <a:p>
-            <a:pPr>
-              <a:spcBef>
-                <a:spcPct val="50000"/>
-              </a:spcBef>
-            </a:pPr>
-            <a:r>
-              <a:rPr lang="en-US" sz="2600">
-                <a:effectLst>
-                  <a:outerShdw blurRad="38100" dist="38100" dir="2700000" algn="tl">
-                    <a:srgbClr val="C0C0C0"/>
-                  </a:outerShdw>
-                </a:effectLst>
-              </a:rPr>
-              <a:t>(b)</a:t>
-            </a:r>
-            <a:endParaRPr lang="en-US" sz="3600"/>
-          </a:p>
-        </p:txBody>
-      </p:sp>
-      <p:sp>
-        <p:nvSpPr>
-          <p:cNvPr id="2106" name="Text Box 58"/>
-          <p:cNvSpPr txBox="1">
-            <a:spLocks noChangeArrowheads="1"/>
-          </p:cNvSpPr>
-          <p:nvPr/>
-        </p:nvSpPr>
-        <p:spPr bwMode="auto">
-          <a:xfrm>
-            <a:off x="21991638" y="15109825"/>
-            <a:ext cx="2246312" cy="3554413"/>
-          </a:xfrm>
-          <a:prstGeom prst="rect">
-            <a:avLst/>
-          </a:prstGeom>
-          <a:noFill/>
-          <a:ln w="9525">
-            <a:solidFill>
-              <a:schemeClr val="accent2"/>
-            </a:solidFill>
-            <a:miter lim="800000"/>
-            <a:headEnd/>
-            <a:tailEnd/>
-          </a:ln>
-          <a:effectLst/>
-        </p:spPr>
-        <p:txBody>
-          <a:bodyPr tIns="91440" bIns="91440"/>
-          <a:lstStyle/>
-          <a:p>
-            <a:pPr>
-              <a:spcBef>
-                <a:spcPct val="50000"/>
-              </a:spcBef>
-            </a:pPr>
-            <a:r>
-              <a:rPr lang="en-US" sz="2600">
-                <a:effectLst>
-                  <a:outerShdw blurRad="38100" dist="38100" dir="2700000" algn="tl">
-                    <a:srgbClr val="C0C0C0"/>
-                  </a:outerShdw>
-                </a:effectLst>
-              </a:rPr>
-              <a:t>(c)</a:t>
-            </a:r>
-            <a:endParaRPr lang="en-US" sz="3600"/>
+              <a:rPr lang="en-US" sz="2000" dirty="0"/>
+              <a:t>. </a:t>
+            </a:r>
+            <a:r>
+              <a:rPr lang="en-US" sz="2000" dirty="0" smtClean="0"/>
+              <a:t>Diagram illustrating the flow of our experimental design. We ran the GA thirty times, seeding each run with the fittest individual that our experiment had produced thus far.</a:t>
+            </a:r>
+            <a:endParaRPr lang="en-US" sz="2000" dirty="0"/>
           </a:p>
         </p:txBody>
       </p:sp>
@@ -5758,12 +5362,20 @@
           <a:p>
             <a:pPr eaLnBrk="0" hangingPunct="0"/>
             <a:r>
-              <a:rPr lang="en-US" sz="2000" b="1"/>
+              <a:rPr lang="en-US" sz="2000" b="1" dirty="0"/>
               <a:t>Figure 4. </a:t>
             </a:r>
             <a:r>
-              <a:rPr lang="en-US" sz="2000"/>
-              <a:t>Avoid keys that force readers to labor through complicated graphs: just label all the lines (as above) and then delete the silly key provided by your charting software altogether.  The above figure would also be greatly improved if I had the ability to draw mini rats with and without brains.  I would then put these really cute little illustrations next to the lines they represent.</a:t>
+              <a:rPr lang="en-US" sz="2000" dirty="0"/>
+              <a:t>Avoid keys that force readers to labor through complicated graphs: just label all the lines (as above) and then delete the silly key provided by your charting software altogether.  The above figure would also be greatly improved if I had the ability to draw mini rats with and without brains.  I would then put these really cute little illustrations next to the </a:t>
+            </a:r>
+            <a:r>
+              <a:rPr lang="en-US" sz="2000" dirty="0" smtClean="0"/>
+              <a:t>lines </a:t>
+            </a:r>
+            <a:r>
+              <a:rPr lang="en-US" sz="2000" dirty="0"/>
+              <a:t>they represent.</a:t>
             </a:r>
           </a:p>
         </p:txBody>
@@ -5925,12 +5537,12 @@
               </a:spcBef>
             </a:pPr>
             <a:r>
-              <a:rPr lang="en-US" sz="2400">
+              <a:rPr lang="en-US" sz="2400" dirty="0">
                 <a:latin typeface="Times New Roman" charset="0"/>
               </a:rPr>
               <a:t>	Be sure to separate figures from other figures by generous use of white space. When figures are too cramped, viewers get confused about which figures to read first and which legend goes with which figure.</a:t>
             </a:r>
-            <a:endParaRPr lang="en-US" sz="2400"/>
+            <a:endParaRPr lang="en-US" sz="2400" dirty="0"/>
           </a:p>
           <a:p>
             <a:pPr>
@@ -5939,7 +5551,7 @@
               </a:spcBef>
             </a:pPr>
             <a:r>
-              <a:rPr lang="en-US" sz="2400">
+              <a:rPr lang="en-US" sz="2400" dirty="0">
                 <a:latin typeface="Times New Roman" charset="0"/>
               </a:rPr>
               <a:t>	Figures are preferred but tables are sometimes unavoidable.  A table looks best when it is first composed within Microsoft Word, then “Inserted” as an “Object.” If you can add small drawings or icons to your tables, do so!</a:t>
@@ -5952,7 +5564,7 @@
               </a:spcBef>
             </a:pPr>
             <a:r>
-              <a:rPr lang="en-US" sz="2400">
+              <a:rPr lang="en-US" sz="2400" dirty="0">
                 <a:latin typeface="Times New Roman" charset="0"/>
               </a:rPr>
               <a:t>	</a:t>
@@ -6024,159 +5636,6 @@
                 <a:ea typeface="+mn-ea"/>
               </a:rPr>
               <a:t> important to read.</a:t>
-            </a:r>
-          </a:p>
-        </p:txBody>
-      </p:sp>
-      <p:sp>
-        <p:nvSpPr>
-          <p:cNvPr id="14364" name="Line 123"/>
-          <p:cNvSpPr>
-            <a:spLocks noChangeShapeType="1"/>
-          </p:cNvSpPr>
-          <p:nvPr/>
-        </p:nvSpPr>
-        <p:spPr bwMode="auto">
-          <a:xfrm flipV="1">
-            <a:off x="29097288" y="9499600"/>
-            <a:ext cx="2192337" cy="1346200"/>
-          </a:xfrm>
-          <a:prstGeom prst="line">
-            <a:avLst/>
-          </a:prstGeom>
-          <a:noFill/>
-          <a:ln w="38100">
-            <a:solidFill>
-              <a:schemeClr val="tx1"/>
-            </a:solidFill>
-            <a:prstDash val="dash"/>
-            <a:round/>
-            <a:headEnd/>
-            <a:tailEnd/>
-          </a:ln>
-        </p:spPr>
-        <p:txBody>
-          <a:bodyPr wrap="none" anchor="ctr"/>
-          <a:lstStyle/>
-          <a:p>
-            <a:endParaRPr lang="en-US"/>
-          </a:p>
-        </p:txBody>
-      </p:sp>
-      <p:sp>
-        <p:nvSpPr>
-          <p:cNvPr id="14365" name="Line 124"/>
-          <p:cNvSpPr>
-            <a:spLocks noChangeShapeType="1"/>
-          </p:cNvSpPr>
-          <p:nvPr/>
-        </p:nvSpPr>
-        <p:spPr bwMode="auto">
-          <a:xfrm flipV="1">
-            <a:off x="29106813" y="9461500"/>
-            <a:ext cx="4851400" cy="1476375"/>
-          </a:xfrm>
-          <a:prstGeom prst="line">
-            <a:avLst/>
-          </a:prstGeom>
-          <a:noFill/>
-          <a:ln w="38100">
-            <a:solidFill>
-              <a:schemeClr val="tx1"/>
-            </a:solidFill>
-            <a:round/>
-            <a:headEnd/>
-            <a:tailEnd/>
-          </a:ln>
-        </p:spPr>
-        <p:txBody>
-          <a:bodyPr wrap="none" anchor="ctr"/>
-          <a:lstStyle/>
-          <a:p>
-            <a:endParaRPr lang="en-US"/>
-          </a:p>
-        </p:txBody>
-      </p:sp>
-      <p:sp>
-        <p:nvSpPr>
-          <p:cNvPr id="14366" name="Text Box 125"/>
-          <p:cNvSpPr txBox="1">
-            <a:spLocks noChangeArrowheads="1"/>
-          </p:cNvSpPr>
-          <p:nvPr/>
-        </p:nvSpPr>
-        <p:spPr bwMode="auto">
-          <a:xfrm>
-            <a:off x="31195963" y="10212388"/>
-            <a:ext cx="2974975" cy="366712"/>
-          </a:xfrm>
-          <a:prstGeom prst="rect">
-            <a:avLst/>
-          </a:prstGeom>
-          <a:noFill/>
-          <a:ln w="9525">
-            <a:noFill/>
-            <a:miter lim="800000"/>
-            <a:headEnd/>
-            <a:tailEnd/>
-          </a:ln>
-        </p:spPr>
-        <p:txBody>
-          <a:bodyPr>
-            <a:spAutoFit/>
-          </a:bodyPr>
-          <a:lstStyle/>
-          <a:p>
-            <a:pPr algn="ctr">
-              <a:spcBef>
-                <a:spcPct val="50000"/>
-              </a:spcBef>
-            </a:pPr>
-            <a:r>
-              <a:rPr lang="en-US" sz="1800"/>
-              <a:t>Control (brain intact)</a:t>
-            </a:r>
-          </a:p>
-        </p:txBody>
-      </p:sp>
-      <p:sp>
-        <p:nvSpPr>
-          <p:cNvPr id="14367" name="Text Box 126"/>
-          <p:cNvSpPr txBox="1">
-            <a:spLocks noChangeArrowheads="1"/>
-          </p:cNvSpPr>
-          <p:nvPr/>
-        </p:nvSpPr>
-        <p:spPr bwMode="auto">
-          <a:xfrm>
-            <a:off x="29656088" y="8816975"/>
-            <a:ext cx="1781175" cy="366713"/>
-          </a:xfrm>
-          <a:prstGeom prst="rect">
-            <a:avLst/>
-          </a:prstGeom>
-          <a:noFill/>
-          <a:ln w="9525">
-            <a:noFill/>
-            <a:miter lim="800000"/>
-            <a:headEnd/>
-            <a:tailEnd/>
-          </a:ln>
-        </p:spPr>
-        <p:txBody>
-          <a:bodyPr>
-            <a:spAutoFit/>
-          </a:bodyPr>
-          <a:lstStyle/>
-          <a:p>
-            <a:pPr>
-              <a:spcBef>
-                <a:spcPct val="50000"/>
-              </a:spcBef>
-            </a:pPr>
-            <a:r>
-              <a:rPr lang="en-US" sz="1800"/>
-              <a:t>Brainectomized</a:t>
             </a:r>
           </a:p>
         </p:txBody>
@@ -6557,339 +6016,6 @@
       </p:sp>
       <p:sp>
         <p:nvSpPr>
-          <p:cNvPr id="14371" name="Line 148"/>
-          <p:cNvSpPr>
-            <a:spLocks noChangeShapeType="1"/>
-          </p:cNvSpPr>
-          <p:nvPr/>
-        </p:nvSpPr>
-        <p:spPr bwMode="auto">
-          <a:xfrm>
-            <a:off x="29068713" y="8304213"/>
-            <a:ext cx="0" cy="2743200"/>
-          </a:xfrm>
-          <a:prstGeom prst="line">
-            <a:avLst/>
-          </a:prstGeom>
-          <a:noFill/>
-          <a:ln w="28575">
-            <a:solidFill>
-              <a:schemeClr val="tx1"/>
-            </a:solidFill>
-            <a:round/>
-            <a:headEnd/>
-            <a:tailEnd/>
-          </a:ln>
-        </p:spPr>
-        <p:txBody>
-          <a:bodyPr wrap="none" anchor="ctr"/>
-          <a:lstStyle/>
-          <a:p>
-            <a:endParaRPr lang="en-US"/>
-          </a:p>
-        </p:txBody>
-      </p:sp>
-      <p:sp>
-        <p:nvSpPr>
-          <p:cNvPr id="14372" name="Line 149"/>
-          <p:cNvSpPr>
-            <a:spLocks noChangeShapeType="1"/>
-          </p:cNvSpPr>
-          <p:nvPr/>
-        </p:nvSpPr>
-        <p:spPr bwMode="auto">
-          <a:xfrm flipH="1">
-            <a:off x="29052838" y="11049000"/>
-            <a:ext cx="5083175" cy="0"/>
-          </a:xfrm>
-          <a:prstGeom prst="line">
-            <a:avLst/>
-          </a:prstGeom>
-          <a:noFill/>
-          <a:ln w="28575">
-            <a:solidFill>
-              <a:schemeClr val="tx1"/>
-            </a:solidFill>
-            <a:round/>
-            <a:headEnd/>
-            <a:tailEnd/>
-          </a:ln>
-        </p:spPr>
-        <p:txBody>
-          <a:bodyPr wrap="none" anchor="ctr"/>
-          <a:lstStyle/>
-          <a:p>
-            <a:endParaRPr lang="en-US"/>
-          </a:p>
-        </p:txBody>
-      </p:sp>
-      <p:sp>
-        <p:nvSpPr>
-          <p:cNvPr id="14373" name="Text Box 150"/>
-          <p:cNvSpPr txBox="1">
-            <a:spLocks noChangeArrowheads="1"/>
-          </p:cNvSpPr>
-          <p:nvPr/>
-        </p:nvSpPr>
-        <p:spPr bwMode="auto">
-          <a:xfrm>
-            <a:off x="30503813" y="11180763"/>
-            <a:ext cx="2471737" cy="366712"/>
-          </a:xfrm>
-          <a:prstGeom prst="rect">
-            <a:avLst/>
-          </a:prstGeom>
-          <a:noFill/>
-          <a:ln w="9525">
-            <a:noFill/>
-            <a:miter lim="800000"/>
-            <a:headEnd/>
-            <a:tailEnd/>
-          </a:ln>
-        </p:spPr>
-        <p:txBody>
-          <a:bodyPr>
-            <a:spAutoFit/>
-          </a:bodyPr>
-          <a:lstStyle/>
-          <a:p>
-            <a:pPr>
-              <a:spcBef>
-                <a:spcPct val="50000"/>
-              </a:spcBef>
-            </a:pPr>
-            <a:r>
-              <a:rPr lang="en-US" sz="1800"/>
-              <a:t>Maze difficulty index</a:t>
-            </a:r>
-          </a:p>
-        </p:txBody>
-      </p:sp>
-      <p:sp>
-        <p:nvSpPr>
-          <p:cNvPr id="14374" name="Text Box 151"/>
-          <p:cNvSpPr txBox="1">
-            <a:spLocks noChangeArrowheads="1"/>
-          </p:cNvSpPr>
-          <p:nvPr/>
-        </p:nvSpPr>
-        <p:spPr bwMode="auto">
-          <a:xfrm>
-            <a:off x="27913013" y="9407525"/>
-            <a:ext cx="1069975" cy="366713"/>
-          </a:xfrm>
-          <a:prstGeom prst="rect">
-            <a:avLst/>
-          </a:prstGeom>
-          <a:noFill/>
-          <a:ln w="9525">
-            <a:noFill/>
-            <a:miter lim="800000"/>
-            <a:headEnd/>
-            <a:tailEnd/>
-          </a:ln>
-        </p:spPr>
-        <p:txBody>
-          <a:bodyPr>
-            <a:spAutoFit/>
-          </a:bodyPr>
-          <a:lstStyle/>
-          <a:p>
-            <a:pPr algn="ctr">
-              <a:spcBef>
-                <a:spcPct val="50000"/>
-              </a:spcBef>
-            </a:pPr>
-            <a:r>
-              <a:rPr lang="en-US" sz="1800"/>
-              <a:t>Time (s)</a:t>
-            </a:r>
-            <a:endParaRPr lang="en-US"/>
-          </a:p>
-        </p:txBody>
-      </p:sp>
-      <p:sp>
-        <p:nvSpPr>
-          <p:cNvPr id="14375" name="Line 154"/>
-          <p:cNvSpPr>
-            <a:spLocks noChangeShapeType="1"/>
-          </p:cNvSpPr>
-          <p:nvPr/>
-        </p:nvSpPr>
-        <p:spPr bwMode="auto">
-          <a:xfrm flipV="1">
-            <a:off x="31281688" y="8801100"/>
-            <a:ext cx="579437" cy="711200"/>
-          </a:xfrm>
-          <a:prstGeom prst="line">
-            <a:avLst/>
-          </a:prstGeom>
-          <a:noFill/>
-          <a:ln w="38100">
-            <a:solidFill>
-              <a:schemeClr val="tx1"/>
-            </a:solidFill>
-            <a:prstDash val="dash"/>
-            <a:round/>
-            <a:headEnd/>
-            <a:tailEnd/>
-          </a:ln>
-        </p:spPr>
-        <p:txBody>
-          <a:bodyPr wrap="none" anchor="ctr"/>
-          <a:lstStyle/>
-          <a:p>
-            <a:endParaRPr lang="en-US"/>
-          </a:p>
-        </p:txBody>
-      </p:sp>
-      <p:sp>
-        <p:nvSpPr>
-          <p:cNvPr id="14376" name="Text Box 155"/>
-          <p:cNvSpPr txBox="1">
-            <a:spLocks noChangeArrowheads="1"/>
-          </p:cNvSpPr>
-          <p:nvPr/>
-        </p:nvSpPr>
-        <p:spPr bwMode="auto">
-          <a:xfrm>
-            <a:off x="29381450" y="8086725"/>
-            <a:ext cx="4899025" cy="396875"/>
-          </a:xfrm>
-          <a:prstGeom prst="rect">
-            <a:avLst/>
-          </a:prstGeom>
-          <a:noFill/>
-          <a:ln w="9525">
-            <a:noFill/>
-            <a:miter lim="800000"/>
-            <a:headEnd/>
-            <a:tailEnd/>
-          </a:ln>
-        </p:spPr>
-        <p:txBody>
-          <a:bodyPr>
-            <a:spAutoFit/>
-          </a:bodyPr>
-          <a:lstStyle/>
-          <a:p>
-            <a:pPr>
-              <a:spcBef>
-                <a:spcPct val="50000"/>
-              </a:spcBef>
-            </a:pPr>
-            <a:r>
-              <a:rPr lang="en-US" sz="2000" i="1">
-                <a:solidFill>
-                  <a:srgbClr val="0000FF"/>
-                </a:solidFill>
-              </a:rPr>
-              <a:t>Rats with brains navigated mazes faster</a:t>
-            </a:r>
-            <a:endParaRPr lang="en-US">
-              <a:solidFill>
-                <a:srgbClr val="0000FF"/>
-              </a:solidFill>
-            </a:endParaRPr>
-          </a:p>
-        </p:txBody>
-      </p:sp>
-      <p:grpSp>
-        <p:nvGrpSpPr>
-          <p:cNvPr id="14377" name="Group 161"/>
-          <p:cNvGrpSpPr>
-            <a:grpSpLocks/>
-          </p:cNvGrpSpPr>
-          <p:nvPr/>
-        </p:nvGrpSpPr>
-        <p:grpSpPr bwMode="auto">
-          <a:xfrm>
-            <a:off x="4310063" y="24282400"/>
-            <a:ext cx="3992562" cy="3392488"/>
-            <a:chOff x="1929" y="14663"/>
-            <a:chExt cx="2515" cy="2137"/>
-          </a:xfrm>
-        </p:grpSpPr>
-        <p:pic>
-          <p:nvPicPr>
-            <p:cNvPr id="14397" name="Picture 141" descr="chuckdhasaposse">
-              <a:hlinkClick r:id="rId6"/>
-            </p:cNvPr>
-            <p:cNvPicPr>
-              <a:picLocks noChangeAspect="1" noChangeArrowheads="1"/>
-            </p:cNvPicPr>
-            <p:nvPr/>
-          </p:nvPicPr>
-          <p:blipFill>
-            <a:blip r:embed="rId7"/>
-            <a:srcRect/>
-            <a:stretch>
-              <a:fillRect/>
-            </a:stretch>
-          </p:blipFill>
-          <p:spPr bwMode="auto">
-            <a:xfrm>
-              <a:off x="1929" y="14899"/>
-              <a:ext cx="1997" cy="1901"/>
-            </a:xfrm>
-            <a:prstGeom prst="rect">
-              <a:avLst/>
-            </a:prstGeom>
-            <a:noFill/>
-            <a:ln w="9525">
-              <a:noFill/>
-              <a:miter lim="800000"/>
-              <a:headEnd/>
-              <a:tailEnd/>
-            </a:ln>
-          </p:spPr>
-        </p:pic>
-        <p:sp>
-          <p:nvSpPr>
-            <p:cNvPr id="14398" name="AutoShape 160"/>
-            <p:cNvSpPr>
-              <a:spLocks noChangeArrowheads="1"/>
-            </p:cNvSpPr>
-            <p:nvPr/>
-          </p:nvSpPr>
-          <p:spPr bwMode="auto">
-            <a:xfrm>
-              <a:off x="3112" y="14663"/>
-              <a:ext cx="1332" cy="640"/>
-            </a:xfrm>
-            <a:prstGeom prst="cloudCallout">
-              <a:avLst>
-                <a:gd name="adj1" fmla="val -62389"/>
-                <a:gd name="adj2" fmla="val 51250"/>
-              </a:avLst>
-            </a:prstGeom>
-            <a:solidFill>
-              <a:schemeClr val="bg1"/>
-            </a:solidFill>
-            <a:ln w="9525">
-              <a:solidFill>
-                <a:schemeClr val="tx1"/>
-              </a:solidFill>
-              <a:round/>
-              <a:headEnd/>
-              <a:tailEnd/>
-            </a:ln>
-          </p:spPr>
-          <p:txBody>
-            <a:bodyPr anchor="ctr"/>
-            <a:lstStyle/>
-            <a:p>
-              <a:pPr algn="ctr"/>
-              <a:r>
-                <a:rPr lang="en-US" sz="1000"/>
-                <a:t>I sure wish I’d presented my theory with a poster before I wrote my book.</a:t>
-              </a:r>
-            </a:p>
-          </p:txBody>
-        </p:sp>
-      </p:grpSp>
-      <p:sp>
-        <p:nvSpPr>
           <p:cNvPr id="14378" name="Rectangle 22"/>
           <p:cNvSpPr>
             <a:spLocks noChangeArrowheads="1"/>
@@ -7075,151 +6201,6 @@
             <a:r>
               <a:rPr lang="en-US" sz="2400"/>
               <a:t>paragraph does not need to be indented.</a:t>
-            </a:r>
-          </a:p>
-          <a:p>
-            <a:endParaRPr lang="en-US" sz="2400"/>
-          </a:p>
-        </p:txBody>
-      </p:sp>
-      <p:sp>
-        <p:nvSpPr>
-          <p:cNvPr id="2220" name="AutoShape 172"/>
-          <p:cNvSpPr>
-            <a:spLocks/>
-          </p:cNvSpPr>
-          <p:nvPr/>
-        </p:nvSpPr>
-        <p:spPr bwMode="auto">
-          <a:xfrm>
-            <a:off x="6692900" y="6475413"/>
-            <a:ext cx="7302500" cy="1662112"/>
-          </a:xfrm>
-          <a:prstGeom prst="borderCallout1">
-            <a:avLst>
-              <a:gd name="adj1" fmla="val 4773"/>
-              <a:gd name="adj2" fmla="val -1912"/>
-              <a:gd name="adj3" fmla="val 72029"/>
-              <a:gd name="adj4" fmla="val -25382"/>
-            </a:avLst>
-          </a:prstGeom>
-          <a:solidFill>
-            <a:srgbClr val="FFFF99"/>
-          </a:solidFill>
-          <a:ln w="9525">
-            <a:solidFill>
-              <a:schemeClr val="hlink"/>
-            </a:solidFill>
-            <a:miter lim="800000"/>
-            <a:headEnd/>
-            <a:tailEnd/>
-          </a:ln>
-          <a:effectLst>
-            <a:outerShdw blurRad="63500" dist="38099" dir="2700000" algn="ctr" rotWithShape="0">
-              <a:schemeClr val="accent2">
-                <a:alpha val="74998"/>
-              </a:schemeClr>
-            </a:outerShdw>
-          </a:effectLst>
-        </p:spPr>
-        <p:txBody>
-          <a:bodyPr tIns="91440" bIns="91440">
-            <a:spAutoFit/>
-          </a:bodyPr>
-          <a:lstStyle/>
-          <a:p>
-            <a:r>
-              <a:rPr lang="en-US" sz="2400"/>
-              <a:t>This is a </a:t>
-            </a:r>
-            <a:r>
-              <a:rPr lang="en-US" sz="2400" b="1"/>
-              <a:t>header</a:t>
-            </a:r>
-            <a:r>
-              <a:rPr lang="en-US" sz="2400"/>
-              <a:t>.  If you make the font size large and then add bolding and/or color, there is no need to </a:t>
-            </a:r>
-            <a:r>
-              <a:rPr lang="en-US" sz="2400" b="1" i="1" u="sng">
-                <a:solidFill>
-                  <a:srgbClr val="FF6600"/>
-                </a:solidFill>
-              </a:rPr>
-              <a:t>also</a:t>
-            </a:r>
-            <a:r>
-              <a:rPr lang="en-US" sz="2400" b="1">
-                <a:solidFill>
-                  <a:srgbClr val="FF6600"/>
-                </a:solidFill>
-              </a:rPr>
-              <a:t> </a:t>
-            </a:r>
-            <a:r>
-              <a:rPr lang="en-US" sz="2400"/>
-              <a:t>[sic] apply underlining or italicization or numbers. </a:t>
-            </a:r>
-          </a:p>
-        </p:txBody>
-      </p:sp>
-      <p:sp>
-        <p:nvSpPr>
-          <p:cNvPr id="2221" name="AutoShape 173"/>
-          <p:cNvSpPr>
-            <a:spLocks/>
-          </p:cNvSpPr>
-          <p:nvPr/>
-        </p:nvSpPr>
-        <p:spPr bwMode="auto">
-          <a:xfrm>
-            <a:off x="24206200" y="6862763"/>
-            <a:ext cx="3289300" cy="2770187"/>
-          </a:xfrm>
-          <a:prstGeom prst="borderCallout1">
-            <a:avLst>
-              <a:gd name="adj1" fmla="val 8069"/>
-              <a:gd name="adj2" fmla="val 102625"/>
-              <a:gd name="adj3" fmla="val 88487"/>
-              <a:gd name="adj4" fmla="val 122927"/>
-            </a:avLst>
-          </a:prstGeom>
-          <a:solidFill>
-            <a:srgbClr val="FFFF99"/>
-          </a:solidFill>
-          <a:ln w="9525">
-            <a:solidFill>
-              <a:schemeClr val="hlink"/>
-            </a:solidFill>
-            <a:miter lim="800000"/>
-            <a:headEnd/>
-            <a:tailEnd/>
-          </a:ln>
-          <a:effectLst>
-            <a:outerShdw blurRad="63500" dist="38099" dir="2700000" algn="ctr" rotWithShape="0">
-              <a:schemeClr val="accent2">
-                <a:alpha val="74998"/>
-              </a:schemeClr>
-            </a:outerShdw>
-          </a:effectLst>
-        </p:spPr>
-        <p:txBody>
-          <a:bodyPr tIns="91440" bIns="91440">
-            <a:spAutoFit/>
-          </a:bodyPr>
-          <a:lstStyle/>
-          <a:p>
-            <a:r>
-              <a:rPr lang="en-US" sz="2400"/>
-              <a:t>If you can orient your label horizontally (like this one), </a:t>
-            </a:r>
-            <a:r>
-              <a:rPr lang="en-US" sz="2400" b="1"/>
-              <a:t>do </a:t>
-            </a:r>
-            <a:r>
-              <a:rPr lang="en-US" sz="2400"/>
-              <a:t>it!  Viewers with fused neck musculature are more likely to read it.</a:t>
             </a:r>
           </a:p>
           <a:p>
@@ -7497,7 +6478,7 @@
             <p:nvPr/>
           </p:nvPicPr>
           <p:blipFill>
-            <a:blip r:embed="rId8"/>
+            <a:blip r:embed="rId6"/>
             <a:srcRect/>
             <a:stretch>
               <a:fillRect/>
@@ -7540,38 +6521,6 @@
           </p:spPr>
         </p:pic>
       </p:grpSp>
-      <p:pic>
-        <p:nvPicPr>
-          <p:cNvPr id="14388" name="Picture 177" descr="m&amp;mfig"/>
-          <p:cNvPicPr>
-            <a:picLocks noChangeAspect="1" noChangeArrowheads="1"/>
-          </p:cNvPicPr>
-          <p:nvPr/>
-        </p:nvPicPr>
-        <p:blipFill>
-          <a:blip r:embed="rId9"/>
-          <a:srcRect/>
-          <a:stretch>
-            <a:fillRect/>
-          </a:stretch>
-        </p:blipFill>
-        <p:spPr bwMode="auto">
-          <a:xfrm>
-            <a:off x="3841750" y="24063325"/>
-            <a:ext cx="6054725" cy="5302250"/>
-          </a:xfrm>
-          <a:prstGeom prst="rect">
-            <a:avLst/>
-          </a:prstGeom>
-          <a:noFill/>
-          <a:ln w="9525">
-            <a:noFill/>
-            <a:miter lim="800000"/>
-            <a:headEnd/>
-            <a:tailEnd/>
-          </a:ln>
-        </p:spPr>
-      </p:pic>
       <p:sp>
         <p:nvSpPr>
           <p:cNvPr id="14389" name="Rectangle 180"/>
@@ -7620,7 +6569,7 @@
           <p:nvPr/>
         </p:nvPicPr>
         <p:blipFill>
-          <a:blip r:embed="rId10"/>
+          <a:blip r:embed="rId7"/>
           <a:srcRect b="1895"/>
           <a:stretch>
             <a:fillRect/>
@@ -7643,31 +6592,445 @@
           </a:ln>
         </p:spPr>
       </p:pic>
-      <p:sp>
-        <p:nvSpPr>
-          <p:cNvPr id="68" name="AutoShape 173"/>
-          <p:cNvSpPr>
-            <a:spLocks/>
+      <p:pic>
+        <p:nvPicPr>
+          <p:cNvPr id="2" name="Picture 1"/>
+          <p:cNvPicPr>
+            <a:picLocks noChangeAspect="1"/>
+          </p:cNvPicPr>
+          <p:nvPr/>
+        </p:nvPicPr>
+        <p:blipFill>
+          <a:blip r:embed="rId8">
+            <a:extLst>
+              <a:ext uri="{28A0092B-C50C-407E-A947-70E740481C1C}">
+                <a14:useLocalDpi xmlns:a14="http://schemas.microsoft.com/office/drawing/2010/main" val="0"/>
+              </a:ext>
+            </a:extLst>
+          </a:blip>
+          <a:stretch>
+            <a:fillRect/>
+          </a:stretch>
+        </p:blipFill>
+        <p:spPr>
+          <a:xfrm>
+            <a:off x="3948596" y="14972499"/>
+            <a:ext cx="2239479" cy="2502701"/>
+          </a:xfrm>
+          <a:prstGeom prst="rect">
+            <a:avLst/>
+          </a:prstGeom>
+        </p:spPr>
+      </p:pic>
+      <p:graphicFrame>
+        <p:nvGraphicFramePr>
+          <p:cNvPr id="3" name="Table 2"/>
+          <p:cNvGraphicFramePr>
+            <a:graphicFrameLocks noGrp="1"/>
+          </p:cNvGraphicFramePr>
+          <p:nvPr>
+            <p:extLst>
+              <p:ext uri="{D42A27DB-BD31-4B8C-83A1-F6EECF244321}">
+                <p14:modId xmlns:p14="http://schemas.microsoft.com/office/powerpoint/2010/main" val="1235880680"/>
+              </p:ext>
+            </p:extLst>
+          </p:nvPr>
+        </p:nvGraphicFramePr>
+        <p:xfrm>
+          <a:off x="3044825" y="21960997"/>
+          <a:ext cx="8328024" cy="3779520"/>
+        </p:xfrm>
+        <a:graphic>
+          <a:graphicData uri="http://schemas.openxmlformats.org/drawingml/2006/table">
+            <a:tbl>
+              <a:tblPr firstRow="1" bandRow="1">
+                <a:tableStyleId>{22838BEF-8BB2-4498-84A7-C5851F593DF1}</a:tableStyleId>
+              </a:tblPr>
+              <a:tblGrid>
+                <a:gridCol w="2776008"/>
+                <a:gridCol w="1029418"/>
+                <a:gridCol w="4522598"/>
+              </a:tblGrid>
+              <a:tr h="718463">
+                <a:tc>
+                  <a:txBody>
+                    <a:bodyPr/>
+                    <a:lstStyle/>
+                    <a:p>
+                      <a:r>
+                        <a:rPr lang="en-US" sz="2800" b="0" dirty="0" err="1" smtClean="0">
+                          <a:latin typeface="Times" charset="0"/>
+                          <a:ea typeface="Times" charset="0"/>
+                          <a:cs typeface="Times" charset="0"/>
+                        </a:rPr>
+                        <a:t>Pokemon</a:t>
+                      </a:r>
+                      <a:r>
+                        <a:rPr lang="en-US" sz="2800" b="0" baseline="0" dirty="0" smtClean="0">
+                          <a:latin typeface="Times" charset="0"/>
+                          <a:ea typeface="Times" charset="0"/>
+                          <a:cs typeface="Times" charset="0"/>
+                        </a:rPr>
+                        <a:t> Mutation Rate</a:t>
+                      </a:r>
+                      <a:endParaRPr lang="en-US" sz="2800" b="0" dirty="0">
+                        <a:latin typeface="Times" charset="0"/>
+                        <a:ea typeface="Times" charset="0"/>
+                        <a:cs typeface="Times" charset="0"/>
+                      </a:endParaRPr>
+                    </a:p>
+                  </a:txBody>
+                  <a:tcPr anchor="ctr"/>
+                </a:tc>
+                <a:tc>
+                  <a:txBody>
+                    <a:bodyPr/>
+                    <a:lstStyle/>
+                    <a:p>
+                      <a:r>
+                        <a:rPr lang="en-US" sz="2800" b="0" dirty="0" smtClean="0">
+                          <a:latin typeface="Times" charset="0"/>
+                          <a:ea typeface="Times" charset="0"/>
+                          <a:cs typeface="Times" charset="0"/>
+                        </a:rPr>
+                        <a:t>0.05</a:t>
+                      </a:r>
+                      <a:endParaRPr lang="en-US" sz="2800" b="0" dirty="0">
+                        <a:latin typeface="Times" charset="0"/>
+                        <a:ea typeface="Times" charset="0"/>
+                        <a:cs typeface="Times" charset="0"/>
+                      </a:endParaRPr>
+                    </a:p>
+                  </a:txBody>
+                  <a:tcPr anchor="ctr"/>
+                </a:tc>
+                <a:tc>
+                  <a:txBody>
+                    <a:bodyPr/>
+                    <a:lstStyle/>
+                    <a:p>
+                      <a:r>
+                        <a:rPr lang="en-US" sz="2800" b="0" dirty="0" smtClean="0">
+                          <a:latin typeface="Times" charset="0"/>
+                          <a:ea typeface="Times" charset="0"/>
+                          <a:cs typeface="Times" charset="0"/>
+                        </a:rPr>
+                        <a:t>Rate</a:t>
+                      </a:r>
+                      <a:r>
+                        <a:rPr lang="en-US" sz="2800" b="0" baseline="0" dirty="0" smtClean="0">
+                          <a:latin typeface="Times" charset="0"/>
+                          <a:ea typeface="Times" charset="0"/>
+                          <a:cs typeface="Times" charset="0"/>
+                        </a:rPr>
+                        <a:t> at which a Pokémon within a chromosome mutated</a:t>
+                      </a:r>
+                      <a:endParaRPr lang="en-US" sz="2800" b="0" dirty="0">
+                        <a:latin typeface="Times" charset="0"/>
+                        <a:ea typeface="Times" charset="0"/>
+                        <a:cs typeface="Times" charset="0"/>
+                      </a:endParaRPr>
+                    </a:p>
+                  </a:txBody>
+                  <a:tcPr anchor="ctr"/>
+                </a:tc>
+              </a:tr>
+              <a:tr h="718463">
+                <a:tc>
+                  <a:txBody>
+                    <a:bodyPr/>
+                    <a:lstStyle/>
+                    <a:p>
+                      <a:r>
+                        <a:rPr lang="en-US" sz="2800" b="0" dirty="0" smtClean="0">
+                          <a:latin typeface="Times" charset="0"/>
+                          <a:ea typeface="Times" charset="0"/>
+                          <a:cs typeface="Times" charset="0"/>
+                        </a:rPr>
+                        <a:t>Move Mutation Rate</a:t>
+                      </a:r>
+                      <a:endParaRPr lang="en-US" sz="2800" b="0" dirty="0">
+                        <a:latin typeface="Times" charset="0"/>
+                        <a:ea typeface="Times" charset="0"/>
+                        <a:cs typeface="Times" charset="0"/>
+                      </a:endParaRPr>
+                    </a:p>
+                  </a:txBody>
+                  <a:tcPr anchor="ctr"/>
+                </a:tc>
+                <a:tc>
+                  <a:txBody>
+                    <a:bodyPr/>
+                    <a:lstStyle/>
+                    <a:p>
+                      <a:r>
+                        <a:rPr lang="en-US" sz="2800" b="0" dirty="0" smtClean="0">
+                          <a:latin typeface="Times" charset="0"/>
+                          <a:ea typeface="Times" charset="0"/>
+                          <a:cs typeface="Times" charset="0"/>
+                        </a:rPr>
+                        <a:t>0.005</a:t>
+                      </a:r>
+                      <a:endParaRPr lang="en-US" sz="2800" b="0" dirty="0">
+                        <a:latin typeface="Times" charset="0"/>
+                        <a:ea typeface="Times" charset="0"/>
+                        <a:cs typeface="Times" charset="0"/>
+                      </a:endParaRPr>
+                    </a:p>
+                  </a:txBody>
+                  <a:tcPr anchor="ctr"/>
+                </a:tc>
+                <a:tc>
+                  <a:txBody>
+                    <a:bodyPr/>
+                    <a:lstStyle/>
+                    <a:p>
+                      <a:r>
+                        <a:rPr lang="en-US" sz="2800" b="0" dirty="0" smtClean="0">
+                          <a:latin typeface="Times" charset="0"/>
+                          <a:ea typeface="Times" charset="0"/>
+                          <a:cs typeface="Times" charset="0"/>
+                        </a:rPr>
+                        <a:t>Rate at which</a:t>
+                      </a:r>
+                      <a:r>
+                        <a:rPr lang="en-US" sz="2800" b="0" baseline="0" dirty="0" smtClean="0">
+                          <a:latin typeface="Times" charset="0"/>
+                          <a:ea typeface="Times" charset="0"/>
+                          <a:cs typeface="Times" charset="0"/>
+                        </a:rPr>
+                        <a:t> a Pokémon’s move mutated</a:t>
+                      </a:r>
+                      <a:endParaRPr lang="en-US" sz="2800" b="0" dirty="0">
+                        <a:latin typeface="Times" charset="0"/>
+                        <a:ea typeface="Times" charset="0"/>
+                        <a:cs typeface="Times" charset="0"/>
+                      </a:endParaRPr>
+                    </a:p>
+                  </a:txBody>
+                  <a:tcPr anchor="ctr"/>
+                </a:tc>
+              </a:tr>
+              <a:tr h="718463">
+                <a:tc>
+                  <a:txBody>
+                    <a:bodyPr/>
+                    <a:lstStyle/>
+                    <a:p>
+                      <a:r>
+                        <a:rPr lang="en-US" sz="2800" b="0" dirty="0" smtClean="0">
+                          <a:latin typeface="Times" charset="0"/>
+                          <a:ea typeface="Times" charset="0"/>
+                          <a:cs typeface="Times" charset="0"/>
+                        </a:rPr>
+                        <a:t>Crossover Rate</a:t>
+                      </a:r>
+                      <a:endParaRPr lang="en-US" sz="2800" b="0" dirty="0">
+                        <a:latin typeface="Times" charset="0"/>
+                        <a:ea typeface="Times" charset="0"/>
+                        <a:cs typeface="Times" charset="0"/>
+                      </a:endParaRPr>
+                    </a:p>
+                  </a:txBody>
+                  <a:tcPr anchor="ctr"/>
+                </a:tc>
+                <a:tc>
+                  <a:txBody>
+                    <a:bodyPr/>
+                    <a:lstStyle/>
+                    <a:p>
+                      <a:r>
+                        <a:rPr lang="en-US" sz="2800" b="0" dirty="0" smtClean="0">
+                          <a:latin typeface="Times" charset="0"/>
+                          <a:ea typeface="Times" charset="0"/>
+                          <a:cs typeface="Times" charset="0"/>
+                        </a:rPr>
+                        <a:t>0.65</a:t>
+                      </a:r>
+                      <a:endParaRPr lang="en-US" sz="2800" b="0" dirty="0">
+                        <a:latin typeface="Times" charset="0"/>
+                        <a:ea typeface="Times" charset="0"/>
+                        <a:cs typeface="Times" charset="0"/>
+                      </a:endParaRPr>
+                    </a:p>
+                  </a:txBody>
+                  <a:tcPr anchor="ctr"/>
+                </a:tc>
+                <a:tc>
+                  <a:txBody>
+                    <a:bodyPr/>
+                    <a:lstStyle/>
+                    <a:p>
+                      <a:r>
+                        <a:rPr lang="en-US" sz="2800" b="0" dirty="0" smtClean="0">
+                          <a:latin typeface="Times" charset="0"/>
+                          <a:ea typeface="Times" charset="0"/>
+                          <a:cs typeface="Times" charset="0"/>
+                        </a:rPr>
+                        <a:t>Rate at</a:t>
+                      </a:r>
+                      <a:r>
+                        <a:rPr lang="en-US" sz="2800" b="0" baseline="0" dirty="0" smtClean="0">
+                          <a:latin typeface="Times" charset="0"/>
+                          <a:ea typeface="Times" charset="0"/>
+                          <a:cs typeface="Times" charset="0"/>
+                        </a:rPr>
+                        <a:t> which crossover occurred</a:t>
+                      </a:r>
+                      <a:endParaRPr lang="en-US" sz="2800" b="0" dirty="0">
+                        <a:latin typeface="Times" charset="0"/>
+                        <a:ea typeface="Times" charset="0"/>
+                        <a:cs typeface="Times" charset="0"/>
+                      </a:endParaRPr>
+                    </a:p>
+                  </a:txBody>
+                  <a:tcPr anchor="ctr"/>
+                </a:tc>
+              </a:tr>
+              <a:tr h="718463">
+                <a:tc>
+                  <a:txBody>
+                    <a:bodyPr/>
+                    <a:lstStyle/>
+                    <a:p>
+                      <a:r>
+                        <a:rPr lang="en-US" sz="2800" b="0" dirty="0" smtClean="0">
+                          <a:latin typeface="Times" charset="0"/>
+                          <a:ea typeface="Times" charset="0"/>
+                          <a:cs typeface="Times" charset="0"/>
+                        </a:rPr>
+                        <a:t>Population Size</a:t>
+                      </a:r>
+                      <a:endParaRPr lang="en-US" sz="2800" b="0" dirty="0">
+                        <a:latin typeface="Times" charset="0"/>
+                        <a:ea typeface="Times" charset="0"/>
+                        <a:cs typeface="Times" charset="0"/>
+                      </a:endParaRPr>
+                    </a:p>
+                  </a:txBody>
+                  <a:tcPr anchor="ctr"/>
+                </a:tc>
+                <a:tc>
+                  <a:txBody>
+                    <a:bodyPr/>
+                    <a:lstStyle/>
+                    <a:p>
+                      <a:r>
+                        <a:rPr lang="en-US" sz="2800" b="0" dirty="0" smtClean="0">
+                          <a:latin typeface="Times" charset="0"/>
+                          <a:ea typeface="Times" charset="0"/>
+                          <a:cs typeface="Times" charset="0"/>
+                        </a:rPr>
+                        <a:t>500</a:t>
+                      </a:r>
+                      <a:endParaRPr lang="en-US" sz="2800" b="0" dirty="0">
+                        <a:latin typeface="Times" charset="0"/>
+                        <a:ea typeface="Times" charset="0"/>
+                        <a:cs typeface="Times" charset="0"/>
+                      </a:endParaRPr>
+                    </a:p>
+                  </a:txBody>
+                  <a:tcPr anchor="ctr"/>
+                </a:tc>
+                <a:tc>
+                  <a:txBody>
+                    <a:bodyPr/>
+                    <a:lstStyle/>
+                    <a:p>
+                      <a:r>
+                        <a:rPr lang="en-US" sz="2800" b="0" dirty="0" smtClean="0">
+                          <a:latin typeface="Times" charset="0"/>
+                          <a:ea typeface="Times" charset="0"/>
+                          <a:cs typeface="Times" charset="0"/>
+                        </a:rPr>
+                        <a:t>Number</a:t>
+                      </a:r>
+                      <a:r>
+                        <a:rPr lang="en-US" sz="2800" b="0" baseline="0" dirty="0" smtClean="0">
+                          <a:latin typeface="Times" charset="0"/>
+                          <a:ea typeface="Times" charset="0"/>
+                          <a:cs typeface="Times" charset="0"/>
+                        </a:rPr>
+                        <a:t> of individuals in a population</a:t>
+                      </a:r>
+                      <a:endParaRPr lang="en-US" sz="2800" b="0" dirty="0">
+                        <a:latin typeface="Times" charset="0"/>
+                        <a:ea typeface="Times" charset="0"/>
+                        <a:cs typeface="Times" charset="0"/>
+                      </a:endParaRPr>
+                    </a:p>
+                  </a:txBody>
+                  <a:tcPr anchor="ctr"/>
+                </a:tc>
+              </a:tr>
+            </a:tbl>
+          </a:graphicData>
+        </a:graphic>
+      </p:graphicFrame>
+      <p:pic>
+        <p:nvPicPr>
+          <p:cNvPr id="4" name="Picture 3"/>
+          <p:cNvPicPr>
+            <a:picLocks noChangeAspect="1"/>
+          </p:cNvPicPr>
+          <p:nvPr/>
+        </p:nvPicPr>
+        <p:blipFill>
+          <a:blip r:embed="rId9">
+            <a:extLst>
+              <a:ext uri="{28A0092B-C50C-407E-A947-70E740481C1C}">
+                <a14:useLocalDpi xmlns:a14="http://schemas.microsoft.com/office/drawing/2010/main" val="0"/>
+              </a:ext>
+            </a:extLst>
+          </a:blip>
+          <a:stretch>
+            <a:fillRect/>
+          </a:stretch>
+        </p:blipFill>
+        <p:spPr>
+          <a:xfrm>
+            <a:off x="3757707" y="25811570"/>
+            <a:ext cx="6298079" cy="3750855"/>
+          </a:xfrm>
+          <a:prstGeom prst="rect">
+            <a:avLst/>
+          </a:prstGeom>
+          <a:ln w="38100" cap="sq">
+            <a:solidFill>
+              <a:srgbClr val="000000"/>
+            </a:solidFill>
+            <a:prstDash val="solid"/>
+            <a:miter lim="800000"/>
+          </a:ln>
+          <a:effectLst>
+            <a:outerShdw blurRad="50800" dist="38100" dir="2700000" algn="tl" rotWithShape="0">
+              <a:srgbClr val="000000">
+                <a:alpha val="43000"/>
+              </a:srgbClr>
+            </a:outerShdw>
+          </a:effectLst>
+        </p:spPr>
+      </p:pic>
+      <p:sp>
+        <p:nvSpPr>
+          <p:cNvPr id="65" name="Text Box 11"/>
+          <p:cNvSpPr txBox="1">
+            <a:spLocks noChangeArrowheads="1"/>
           </p:cNvSpPr>
           <p:nvPr/>
         </p:nvSpPr>
         <p:spPr bwMode="auto">
           <a:xfrm>
-            <a:off x="36056888" y="9104313"/>
-            <a:ext cx="2760662" cy="6094412"/>
+            <a:off x="14271625" y="7291388"/>
+            <a:ext cx="10512425" cy="10996612"/>
           </a:xfrm>
-          <a:prstGeom prst="borderCallout1">
-            <a:avLst>
-              <a:gd name="adj1" fmla="val -3673"/>
-              <a:gd name="adj2" fmla="val 48886"/>
-              <a:gd name="adj3" fmla="val -13958"/>
-              <a:gd name="adj4" fmla="val -23893"/>
-            </a:avLst>
+          <a:prstGeom prst="rect">
+            <a:avLst/>
           </a:prstGeom>
           <a:solidFill>
-            <a:srgbClr val="FFFF99"/>
+            <a:schemeClr val="bg1"/>
           </a:solidFill>
-          <a:ln w="9525">
+          <a:ln w="12700">
             <a:solidFill>
               <a:schemeClr val="hlink"/>
             </a:solidFill>
@@ -7675,30 +7038,303 @@
             <a:headEnd/>
             <a:tailEnd/>
           </a:ln>
-          <a:effectLst>
-            <a:outerShdw blurRad="63500" dist="38099" dir="2700000" algn="ctr" rotWithShape="0">
-              <a:schemeClr val="accent2">
-                <a:alpha val="74998"/>
-              </a:schemeClr>
-            </a:outerShdw>
-          </a:effectLst>
-        </p:spPr>
-        <p:txBody>
-          <a:bodyPr tIns="91440" bIns="91440">
+        </p:spPr>
+        <p:txBody>
+          <a:bodyPr lIns="914400" tIns="457200" rIns="914400" bIns="914400"/>
+          <a:lstStyle/>
+          <a:p>
+            <a:pPr>
+              <a:spcBef>
+                <a:spcPct val="10000"/>
+              </a:spcBef>
+              <a:tabLst>
+                <a:tab pos="508000" algn="l"/>
+              </a:tabLst>
+            </a:pPr>
+            <a:endParaRPr lang="en-US" sz="2400" dirty="0" smtClean="0">
+              <a:latin typeface="Times New Roman" charset="0"/>
+            </a:endParaRPr>
+          </a:p>
+          <a:p>
+            <a:pPr>
+              <a:spcBef>
+                <a:spcPct val="10000"/>
+              </a:spcBef>
+              <a:tabLst>
+                <a:tab pos="508000" algn="l"/>
+              </a:tabLst>
+            </a:pPr>
+            <a:r>
+              <a:rPr lang="en-US" sz="2600" dirty="0" smtClean="0">
+                <a:latin typeface="Times New Roman" charset="0"/>
+              </a:rPr>
+              <a:t>Our fitness criteria was the difference between the percentage of health remaining in our team minus the percentage remaining of the opposing team.</a:t>
+            </a:r>
+          </a:p>
+          <a:p>
+            <a:pPr marL="914400" lvl="1" indent="-457200">
+              <a:spcBef>
+                <a:spcPct val="10000"/>
+              </a:spcBef>
+              <a:buFont typeface="Arial" charset="0"/>
+              <a:buChar char="•"/>
+              <a:tabLst>
+                <a:tab pos="508000" algn="l"/>
+              </a:tabLst>
+            </a:pPr>
+            <a:r>
+              <a:rPr lang="en-US" sz="2600" dirty="0" smtClean="0">
+                <a:latin typeface="Times New Roman" charset="0"/>
+              </a:rPr>
+              <a:t>We doubled negative results to encourage winning</a:t>
+            </a:r>
+          </a:p>
+          <a:p>
+            <a:pPr>
+              <a:spcBef>
+                <a:spcPct val="10000"/>
+              </a:spcBef>
+              <a:tabLst>
+                <a:tab pos="508000" algn="l"/>
+              </a:tabLst>
+            </a:pPr>
+            <a:r>
+              <a:rPr lang="en-US" sz="2600" dirty="0" smtClean="0">
+                <a:latin typeface="Times New Roman" charset="0"/>
+              </a:rPr>
+              <a:t>Due to time and resource limitations, we had to cut functionality out of </a:t>
+            </a:r>
+            <a:r>
+              <a:rPr lang="en-US" sz="2600" dirty="0">
+                <a:latin typeface="Times New Roman" charset="0"/>
+              </a:rPr>
+              <a:t>our Pokémon </a:t>
+            </a:r>
+            <a:r>
+              <a:rPr lang="en-US" sz="2600" dirty="0" smtClean="0">
+                <a:latin typeface="Times New Roman" charset="0"/>
+              </a:rPr>
+              <a:t>battle simulator.</a:t>
+            </a:r>
+          </a:p>
+          <a:p>
+            <a:pPr>
+              <a:spcBef>
+                <a:spcPct val="10000"/>
+              </a:spcBef>
+              <a:tabLst>
+                <a:tab pos="508000" algn="l"/>
+              </a:tabLst>
+            </a:pPr>
+            <a:r>
+              <a:rPr lang="en-US" sz="2600" dirty="0" smtClean="0">
+                <a:latin typeface="Times New Roman" charset="0"/>
+              </a:rPr>
+              <a:t>We cut the following:</a:t>
+            </a:r>
+          </a:p>
+          <a:p>
+            <a:pPr marL="914400" lvl="1" indent="-457200">
+              <a:spcBef>
+                <a:spcPct val="10000"/>
+              </a:spcBef>
+              <a:buFont typeface="Arial" charset="0"/>
+              <a:buChar char="•"/>
+              <a:tabLst>
+                <a:tab pos="508000" algn="l"/>
+              </a:tabLst>
+            </a:pPr>
+            <a:r>
+              <a:rPr lang="en-US" sz="2600" dirty="0" smtClean="0">
+                <a:latin typeface="Times New Roman" charset="0"/>
+              </a:rPr>
+              <a:t>Items</a:t>
+            </a:r>
+          </a:p>
+          <a:p>
+            <a:pPr marL="914400" lvl="1" indent="-457200">
+              <a:spcBef>
+                <a:spcPct val="10000"/>
+              </a:spcBef>
+              <a:buFont typeface="Arial" charset="0"/>
+              <a:buChar char="•"/>
+              <a:tabLst>
+                <a:tab pos="508000" algn="l"/>
+              </a:tabLst>
+            </a:pPr>
+            <a:r>
+              <a:rPr lang="en-US" sz="2600" dirty="0" smtClean="0">
+                <a:latin typeface="Times New Roman" charset="0"/>
+              </a:rPr>
+              <a:t>Status-affecting moves/abilities</a:t>
+            </a:r>
+          </a:p>
+          <a:p>
+            <a:pPr>
+              <a:spcBef>
+                <a:spcPct val="10000"/>
+              </a:spcBef>
+              <a:tabLst>
+                <a:tab pos="508000" algn="l"/>
+              </a:tabLst>
+            </a:pPr>
+            <a:endParaRPr lang="en-US" sz="2600" dirty="0">
+              <a:latin typeface="Times New Roman" charset="0"/>
+            </a:endParaRPr>
+          </a:p>
+          <a:p>
+            <a:pPr>
+              <a:spcBef>
+                <a:spcPct val="10000"/>
+              </a:spcBef>
+              <a:tabLst>
+                <a:tab pos="508000" algn="l"/>
+              </a:tabLst>
+            </a:pPr>
+            <a:r>
+              <a:rPr lang="en-US" sz="2600" dirty="0">
+                <a:latin typeface="Times New Roman" charset="0"/>
+              </a:rPr>
+              <a:t>	</a:t>
+            </a:r>
+            <a:r>
+              <a:rPr lang="en-US" sz="2600" dirty="0" smtClean="0">
+                <a:latin typeface="Times New Roman" charset="0"/>
+              </a:rPr>
+              <a:t>The teams we decided to optimize against were teams that we decided were the most balanced and most difficult to defeat: 3 teams, each containing 6 </a:t>
+            </a:r>
+            <a:r>
+              <a:rPr lang="en-US" sz="2600" dirty="0" err="1" smtClean="0">
+                <a:latin typeface="Times New Roman" charset="0"/>
+              </a:rPr>
+              <a:t>Arceus</a:t>
+            </a:r>
+            <a:r>
+              <a:rPr lang="en-US" sz="2600" dirty="0" smtClean="0">
+                <a:latin typeface="Times New Roman" charset="0"/>
+              </a:rPr>
+              <a:t>—one for each type in the game.</a:t>
+            </a:r>
+            <a:endParaRPr lang="en-US" sz="2600" dirty="0" smtClean="0">
+              <a:latin typeface="Times New Roman" charset="0"/>
+            </a:endParaRPr>
+          </a:p>
+          <a:p>
+            <a:pPr>
+              <a:spcBef>
+                <a:spcPct val="10000"/>
+              </a:spcBef>
+              <a:tabLst>
+                <a:tab pos="508000" algn="l"/>
+              </a:tabLst>
+            </a:pPr>
+            <a:endParaRPr lang="en-US" sz="2400" dirty="0">
+              <a:latin typeface="Times New Roman" charset="0"/>
+            </a:endParaRPr>
+          </a:p>
+          <a:p>
+            <a:pPr>
+              <a:spcBef>
+                <a:spcPct val="10000"/>
+              </a:spcBef>
+              <a:tabLst>
+                <a:tab pos="508000" algn="l"/>
+              </a:tabLst>
+            </a:pPr>
+            <a:endParaRPr lang="en-US" sz="2400" dirty="0">
+              <a:latin typeface="Times New Roman" charset="0"/>
+            </a:endParaRPr>
+          </a:p>
+        </p:txBody>
+      </p:sp>
+      <p:pic>
+        <p:nvPicPr>
+          <p:cNvPr id="5" name="Picture 4"/>
+          <p:cNvPicPr>
+            <a:picLocks noChangeAspect="1"/>
+          </p:cNvPicPr>
+          <p:nvPr/>
+        </p:nvPicPr>
+        <p:blipFill>
+          <a:blip r:embed="rId10">
+            <a:extLst>
+              <a:ext uri="{28A0092B-C50C-407E-A947-70E740481C1C}">
+                <a14:useLocalDpi xmlns:a14="http://schemas.microsoft.com/office/drawing/2010/main" val="0"/>
+              </a:ext>
+            </a:extLst>
+          </a:blip>
+          <a:stretch>
+            <a:fillRect/>
+          </a:stretch>
+        </p:blipFill>
+        <p:spPr>
+          <a:xfrm>
+            <a:off x="18181680" y="13839227"/>
+            <a:ext cx="5650707" cy="4167897"/>
+          </a:xfrm>
+          <a:prstGeom prst="rect">
+            <a:avLst/>
+          </a:prstGeom>
+        </p:spPr>
+      </p:pic>
+      <p:sp>
+        <p:nvSpPr>
+          <p:cNvPr id="70" name="Rectangle 59"/>
+          <p:cNvSpPr>
+            <a:spLocks noChangeArrowheads="1"/>
+          </p:cNvSpPr>
+          <p:nvPr/>
+        </p:nvSpPr>
+        <p:spPr bwMode="auto">
+          <a:xfrm>
+            <a:off x="15009309" y="13802362"/>
+            <a:ext cx="2935199" cy="1415772"/>
+          </a:xfrm>
+          <a:prstGeom prst="rect">
+            <a:avLst/>
+          </a:prstGeom>
+          <a:noFill/>
+          <a:ln w="9525">
+            <a:noFill/>
+            <a:miter lim="800000"/>
+            <a:headEnd/>
+            <a:tailEnd/>
+          </a:ln>
+        </p:spPr>
+        <p:txBody>
+          <a:bodyPr wrap="square" tIns="91440" bIns="91440">
             <a:spAutoFit/>
           </a:bodyPr>
           <a:lstStyle/>
           <a:p>
-            <a:r>
-              <a:rPr lang="en-US" sz="2400"/>
-              <a:t>Putting titles on graphs is a huge no-no for manuscripts, but for a poster it really makes your graph instantly understandable to your viewers.  E.g., just TELL your viewer what’s so cool or important about the graph…don’t make them hunt for it.</a:t>
-            </a:r>
+            <a:pPr eaLnBrk="0" hangingPunct="0"/>
+            <a:r>
+              <a:rPr lang="en-US" sz="2000" b="1" dirty="0"/>
+              <a:t>Figure </a:t>
+            </a:r>
+            <a:r>
+              <a:rPr lang="en-US" sz="2000" b="1" dirty="0" smtClean="0"/>
+              <a:t>3. </a:t>
+            </a:r>
+            <a:r>
+              <a:rPr lang="en-US" sz="2000" dirty="0" smtClean="0"/>
+              <a:t>These are all 16 </a:t>
+            </a:r>
+            <a:r>
+              <a:rPr lang="en-US" sz="2000" dirty="0" err="1" smtClean="0"/>
+              <a:t>Arceus</a:t>
+            </a:r>
+            <a:r>
+              <a:rPr lang="en-US" sz="2000" dirty="0" smtClean="0"/>
+              <a:t> that compose the opposition to our GA’s solution.</a:t>
+            </a:r>
+            <a:endParaRPr lang="en-US" sz="2000" dirty="0"/>
           </a:p>
         </p:txBody>
       </p:sp>
       <p:pic>
         <p:nvPicPr>
-          <p:cNvPr id="2" name="Picture 1"/>
+          <p:cNvPr id="6" name="Picture 5"/>
           <p:cNvPicPr>
             <a:picLocks noChangeAspect="1"/>
           </p:cNvPicPr>
@@ -7718,14 +7354,139 @@
         </p:blipFill>
         <p:spPr>
           <a:xfrm>
-            <a:off x="3948596" y="14972499"/>
-            <a:ext cx="2239479" cy="2502701"/>
+            <a:off x="14674880" y="22676095"/>
+            <a:ext cx="9686863" cy="7265147"/>
           </a:xfrm>
           <a:prstGeom prst="rect">
             <a:avLst/>
           </a:prstGeom>
         </p:spPr>
       </p:pic>
+      <p:sp>
+        <p:nvSpPr>
+          <p:cNvPr id="71" name="Rectangle 59"/>
+          <p:cNvSpPr>
+            <a:spLocks noChangeArrowheads="1"/>
+          </p:cNvSpPr>
+          <p:nvPr/>
+        </p:nvSpPr>
+        <p:spPr bwMode="auto">
+          <a:xfrm>
+            <a:off x="15009309" y="29814719"/>
+            <a:ext cx="8809542" cy="800219"/>
+          </a:xfrm>
+          <a:prstGeom prst="rect">
+            <a:avLst/>
+          </a:prstGeom>
+          <a:noFill/>
+          <a:ln w="9525">
+            <a:noFill/>
+            <a:miter lim="800000"/>
+            <a:headEnd/>
+            <a:tailEnd/>
+          </a:ln>
+        </p:spPr>
+        <p:txBody>
+          <a:bodyPr wrap="square" tIns="91440" bIns="91440">
+            <a:spAutoFit/>
+          </a:bodyPr>
+          <a:lstStyle/>
+          <a:p>
+            <a:pPr eaLnBrk="0" hangingPunct="0"/>
+            <a:r>
+              <a:rPr lang="en-US" sz="2000" b="1" dirty="0"/>
+              <a:t>Figure </a:t>
+            </a:r>
+            <a:r>
+              <a:rPr lang="en-US" sz="2000" b="1" dirty="0" smtClean="0"/>
+              <a:t>3. </a:t>
+            </a:r>
+            <a:r>
+              <a:rPr lang="en-US" sz="2000" dirty="0" smtClean="0"/>
+              <a:t>While not containing solely </a:t>
+            </a:r>
+            <a:r>
+              <a:rPr lang="en-US" sz="2000" dirty="0" err="1" smtClean="0"/>
+              <a:t>Snorlax</a:t>
+            </a:r>
+            <a:r>
+              <a:rPr lang="en-US" sz="2000" dirty="0" smtClean="0"/>
+              <a:t>, the number present in the final team (which defeated all three teams of </a:t>
+            </a:r>
+            <a:r>
+              <a:rPr lang="en-US" sz="2000" dirty="0" err="1" smtClean="0"/>
+              <a:t>Arceus</a:t>
+            </a:r>
+            <a:r>
+              <a:rPr lang="en-US" sz="2000" dirty="0" smtClean="0"/>
+              <a:t>) was quite alarming.</a:t>
+            </a:r>
+            <a:endParaRPr lang="en-US" sz="2000" dirty="0"/>
+          </a:p>
+        </p:txBody>
+      </p:sp>
+      <p:sp>
+        <p:nvSpPr>
+          <p:cNvPr id="72" name="Text Box 117"/>
+          <p:cNvSpPr txBox="1">
+            <a:spLocks noChangeArrowheads="1"/>
+          </p:cNvSpPr>
+          <p:nvPr/>
+        </p:nvSpPr>
+        <p:spPr bwMode="auto">
+          <a:xfrm>
+            <a:off x="27302618" y="8129589"/>
+            <a:ext cx="8602663" cy="1200329"/>
+          </a:xfrm>
+          <a:prstGeom prst="rect">
+            <a:avLst/>
+          </a:prstGeom>
+          <a:noFill/>
+          <a:ln w="9525">
+            <a:noFill/>
+            <a:miter lim="800000"/>
+            <a:headEnd/>
+            <a:tailEnd/>
+          </a:ln>
+        </p:spPr>
+        <p:txBody>
+          <a:bodyPr>
+            <a:spAutoFit/>
+          </a:bodyPr>
+          <a:lstStyle/>
+          <a:p>
+            <a:pPr>
+              <a:spcBef>
+                <a:spcPct val="10000"/>
+              </a:spcBef>
+            </a:pPr>
+            <a:r>
+              <a:rPr lang="en-US" sz="2400" dirty="0" smtClean="0">
+                <a:latin typeface="Times New Roman" charset="0"/>
+              </a:rPr>
+              <a:t>This result was not isolated to that experiment. Experiment after experiment converged to teams containing an unexpected number of </a:t>
+            </a:r>
+            <a:r>
+              <a:rPr lang="en-US" sz="2400" dirty="0" err="1" smtClean="0">
+                <a:latin typeface="Times New Roman" charset="0"/>
+              </a:rPr>
+              <a:t>Snorlax</a:t>
+            </a:r>
+            <a:r>
+              <a:rPr lang="en-US" sz="2400" dirty="0" smtClean="0">
+                <a:latin typeface="Times New Roman" charset="0"/>
+              </a:rPr>
+              <a:t>.</a:t>
+            </a:r>
+            <a:r>
+              <a:rPr lang="en-US" sz="2400" dirty="0">
+                <a:latin typeface="Times New Roman" charset="0"/>
+              </a:rPr>
+              <a:t>	</a:t>
+            </a:r>
+          </a:p>
+        </p:txBody>
+      </p:sp>
     </p:spTree>
   </p:cSld>
   <p:clrMapOvr>
